--- a/Bootcamp/api/api.pptx
+++ b/Bootcamp/api/api.pptx
@@ -5,7 +5,7 @@
     <p:sldMasterId id="2147483648" r:id="rId4"/>
   </p:sldMasterIdLst>
   <p:notesMasterIdLst>
-    <p:notesMasterId r:id="rId27"/>
+    <p:notesMasterId r:id="rId29"/>
   </p:notesMasterIdLst>
   <p:sldIdLst>
     <p:sldId id="282" r:id="rId5"/>
@@ -29,7 +29,9 @@
     <p:sldId id="460" r:id="rId23"/>
     <p:sldId id="456" r:id="rId24"/>
     <p:sldId id="461" r:id="rId25"/>
-    <p:sldId id="462" r:id="rId26"/>
+    <p:sldId id="463" r:id="rId26"/>
+    <p:sldId id="464" r:id="rId27"/>
+    <p:sldId id="462" r:id="rId28"/>
   </p:sldIdLst>
   <p:sldSz cx="12192000" cy="6858000"/>
   <p:notesSz cx="6858000" cy="9144000"/>
@@ -154,6 +156,8 @@
             <p14:sldId id="460"/>
             <p14:sldId id="456"/>
             <p14:sldId id="461"/>
+            <p14:sldId id="463"/>
+            <p14:sldId id="464"/>
             <p14:sldId id="462"/>
           </p14:sldIdLst>
         </p14:section>
@@ -259,7 +263,7 @@
           <a:p>
             <a:fld id="{B2A70591-2E3C-5F42-A4E1-C0F5A0F4E5DB}" type="datetimeFigureOut">
               <a:rPr lang="en-US" smtClean="0"/>
-              <a:t>5/30/2025</a:t>
+              <a:t>6/1/2025</a:t>
             </a:fld>
             <a:endParaRPr lang="en-US"/>
           </a:p>
@@ -1988,6 +1992,228 @@
         <p:cNvPr id="1" name="">
           <a:extLst>
             <a:ext uri="{FF2B5EF4-FFF2-40B4-BE49-F238E27FC236}">
+              <a16:creationId xmlns:a16="http://schemas.microsoft.com/office/drawing/2014/main" id="{A49EF4EA-F9C5-3729-97D2-BE68ECA5E742}"/>
+            </a:ext>
+          </a:extLst>
+        </p:cNvPr>
+        <p:cNvGrpSpPr/>
+        <p:nvPr/>
+      </p:nvGrpSpPr>
+      <p:grpSpPr>
+        <a:xfrm>
+          <a:off x="0" y="0"/>
+          <a:ext cx="0" cy="0"/>
+          <a:chOff x="0" y="0"/>
+          <a:chExt cx="0" cy="0"/>
+        </a:xfrm>
+      </p:grpSpPr>
+      <p:sp>
+        <p:nvSpPr>
+          <p:cNvPr id="2" name="Slide Image Placeholder 1">
+            <a:extLst>
+              <a:ext uri="{FF2B5EF4-FFF2-40B4-BE49-F238E27FC236}">
+                <a16:creationId xmlns:a16="http://schemas.microsoft.com/office/drawing/2014/main" id="{35D439B9-C645-D157-90B2-B7A483E512BF}"/>
+              </a:ext>
+            </a:extLst>
+          </p:cNvPr>
+          <p:cNvSpPr>
+            <a:spLocks noGrp="1" noRot="1" noChangeAspect="1"/>
+          </p:cNvSpPr>
+          <p:nvPr>
+            <p:ph type="sldImg"/>
+          </p:nvPr>
+        </p:nvSpPr>
+        <p:spPr/>
+      </p:sp>
+      <p:sp>
+        <p:nvSpPr>
+          <p:cNvPr id="3" name="Notes Placeholder 2">
+            <a:extLst>
+              <a:ext uri="{FF2B5EF4-FFF2-40B4-BE49-F238E27FC236}">
+                <a16:creationId xmlns:a16="http://schemas.microsoft.com/office/drawing/2014/main" id="{28E63589-5829-D120-BFF6-95DC0906D351}"/>
+              </a:ext>
+            </a:extLst>
+          </p:cNvPr>
+          <p:cNvSpPr>
+            <a:spLocks noGrp="1"/>
+          </p:cNvSpPr>
+          <p:nvPr>
+            <p:ph type="body" idx="1"/>
+          </p:nvPr>
+        </p:nvSpPr>
+        <p:spPr/>
+        <p:txBody>
+          <a:bodyPr/>
+          <a:lstStyle/>
+          <a:p>
+            <a:r>
+              <a:rPr lang="hr-HR" dirty="0"/>
+              <a:t>https://axios-http.com/docs/example</a:t>
+            </a:r>
+          </a:p>
+        </p:txBody>
+      </p:sp>
+      <p:sp>
+        <p:nvSpPr>
+          <p:cNvPr id="4" name="Slide Number Placeholder 3">
+            <a:extLst>
+              <a:ext uri="{FF2B5EF4-FFF2-40B4-BE49-F238E27FC236}">
+                <a16:creationId xmlns:a16="http://schemas.microsoft.com/office/drawing/2014/main" id="{3A66966E-E69D-DBB8-E238-FA78F3186F82}"/>
+              </a:ext>
+            </a:extLst>
+          </p:cNvPr>
+          <p:cNvSpPr>
+            <a:spLocks noGrp="1"/>
+          </p:cNvSpPr>
+          <p:nvPr>
+            <p:ph type="sldNum" sz="quarter" idx="5"/>
+          </p:nvPr>
+        </p:nvSpPr>
+        <p:spPr/>
+        <p:txBody>
+          <a:bodyPr/>
+          <a:lstStyle/>
+          <a:p>
+            <a:fld id="{343B951A-A665-1949-AEDB-B62DC9BE7F13}" type="slidenum">
+              <a:rPr lang="en-US" smtClean="0"/>
+              <a:t>22</a:t>
+            </a:fld>
+            <a:endParaRPr lang="en-US"/>
+          </a:p>
+        </p:txBody>
+      </p:sp>
+    </p:spTree>
+    <p:extLst>
+      <p:ext uri="{BB962C8B-B14F-4D97-AF65-F5344CB8AC3E}">
+        <p14:creationId xmlns:p14="http://schemas.microsoft.com/office/powerpoint/2010/main" val="3905523648"/>
+      </p:ext>
+    </p:extLst>
+  </p:cSld>
+  <p:clrMapOvr>
+    <a:masterClrMapping/>
+  </p:clrMapOvr>
+</p:notes>
+</file>
+
+<file path=ppt/notesSlides/notesSlide22.xml><?xml version="1.0" encoding="utf-8"?>
+<p:notes xmlns:a="http://schemas.openxmlformats.org/drawingml/2006/main" xmlns:r="http://schemas.openxmlformats.org/officeDocument/2006/relationships" xmlns:p="http://schemas.openxmlformats.org/presentationml/2006/main">
+  <p:cSld>
+    <p:spTree>
+      <p:nvGrpSpPr>
+        <p:cNvPr id="1" name="">
+          <a:extLst>
+            <a:ext uri="{FF2B5EF4-FFF2-40B4-BE49-F238E27FC236}">
+              <a16:creationId xmlns:a16="http://schemas.microsoft.com/office/drawing/2014/main" id="{676AAB6D-DDEC-74C2-7D13-8C8371996099}"/>
+            </a:ext>
+          </a:extLst>
+        </p:cNvPr>
+        <p:cNvGrpSpPr/>
+        <p:nvPr/>
+      </p:nvGrpSpPr>
+      <p:grpSpPr>
+        <a:xfrm>
+          <a:off x="0" y="0"/>
+          <a:ext cx="0" cy="0"/>
+          <a:chOff x="0" y="0"/>
+          <a:chExt cx="0" cy="0"/>
+        </a:xfrm>
+      </p:grpSpPr>
+      <p:sp>
+        <p:nvSpPr>
+          <p:cNvPr id="2" name="Slide Image Placeholder 1">
+            <a:extLst>
+              <a:ext uri="{FF2B5EF4-FFF2-40B4-BE49-F238E27FC236}">
+                <a16:creationId xmlns:a16="http://schemas.microsoft.com/office/drawing/2014/main" id="{4DECDF81-0E48-8F85-240D-7806558DF620}"/>
+              </a:ext>
+            </a:extLst>
+          </p:cNvPr>
+          <p:cNvSpPr>
+            <a:spLocks noGrp="1" noRot="1" noChangeAspect="1"/>
+          </p:cNvSpPr>
+          <p:nvPr>
+            <p:ph type="sldImg"/>
+          </p:nvPr>
+        </p:nvSpPr>
+        <p:spPr/>
+      </p:sp>
+      <p:sp>
+        <p:nvSpPr>
+          <p:cNvPr id="3" name="Notes Placeholder 2">
+            <a:extLst>
+              <a:ext uri="{FF2B5EF4-FFF2-40B4-BE49-F238E27FC236}">
+                <a16:creationId xmlns:a16="http://schemas.microsoft.com/office/drawing/2014/main" id="{4C25FEEC-C63D-6D1A-46EA-2B87D422C4C7}"/>
+              </a:ext>
+            </a:extLst>
+          </p:cNvPr>
+          <p:cNvSpPr>
+            <a:spLocks noGrp="1"/>
+          </p:cNvSpPr>
+          <p:nvPr>
+            <p:ph type="body" idx="1"/>
+          </p:nvPr>
+        </p:nvSpPr>
+        <p:spPr/>
+        <p:txBody>
+          <a:bodyPr/>
+          <a:lstStyle/>
+          <a:p>
+            <a:r>
+              <a:rPr lang="hr-HR" dirty="0"/>
+              <a:t>https://axios-http.com/docs/example</a:t>
+            </a:r>
+          </a:p>
+        </p:txBody>
+      </p:sp>
+      <p:sp>
+        <p:nvSpPr>
+          <p:cNvPr id="4" name="Slide Number Placeholder 3">
+            <a:extLst>
+              <a:ext uri="{FF2B5EF4-FFF2-40B4-BE49-F238E27FC236}">
+                <a16:creationId xmlns:a16="http://schemas.microsoft.com/office/drawing/2014/main" id="{B98F6706-51F7-7F60-8D67-030FCF0A3CB2}"/>
+              </a:ext>
+            </a:extLst>
+          </p:cNvPr>
+          <p:cNvSpPr>
+            <a:spLocks noGrp="1"/>
+          </p:cNvSpPr>
+          <p:nvPr>
+            <p:ph type="sldNum" sz="quarter" idx="5"/>
+          </p:nvPr>
+        </p:nvSpPr>
+        <p:spPr/>
+        <p:txBody>
+          <a:bodyPr/>
+          <a:lstStyle/>
+          <a:p>
+            <a:fld id="{343B951A-A665-1949-AEDB-B62DC9BE7F13}" type="slidenum">
+              <a:rPr lang="en-US" smtClean="0"/>
+              <a:t>23</a:t>
+            </a:fld>
+            <a:endParaRPr lang="en-US"/>
+          </a:p>
+        </p:txBody>
+      </p:sp>
+    </p:spTree>
+    <p:extLst>
+      <p:ext uri="{BB962C8B-B14F-4D97-AF65-F5344CB8AC3E}">
+        <p14:creationId xmlns:p14="http://schemas.microsoft.com/office/powerpoint/2010/main" val="1434955568"/>
+      </p:ext>
+    </p:extLst>
+  </p:cSld>
+  <p:clrMapOvr>
+    <a:masterClrMapping/>
+  </p:clrMapOvr>
+</p:notes>
+</file>
+
+<file path=ppt/notesSlides/notesSlide23.xml><?xml version="1.0" encoding="utf-8"?>
+<p:notes xmlns:a="http://schemas.openxmlformats.org/drawingml/2006/main" xmlns:r="http://schemas.openxmlformats.org/officeDocument/2006/relationships" xmlns:p="http://schemas.openxmlformats.org/presentationml/2006/main">
+  <p:cSld>
+    <p:spTree>
+      <p:nvGrpSpPr>
+        <p:cNvPr id="1" name="">
+          <a:extLst>
+            <a:ext uri="{FF2B5EF4-FFF2-40B4-BE49-F238E27FC236}">
               <a16:creationId xmlns:a16="http://schemas.microsoft.com/office/drawing/2014/main" id="{2836412C-701C-A1F6-9460-660A3AD3E9F4}"/>
             </a:ext>
           </a:extLst>
@@ -2082,7 +2308,7 @@
           <a:p>
             <a:fld id="{343B951A-A665-1949-AEDB-B62DC9BE7F13}" type="slidenum">
               <a:rPr lang="en-US" smtClean="0"/>
-              <a:t>22</a:t>
+              <a:t>24</a:t>
             </a:fld>
             <a:endParaRPr lang="en-US"/>
           </a:p>
@@ -3549,7 +3775,7 @@
                 <a:ea typeface="Open Sans" panose="020B0606030504020204" pitchFamily="34" charset="0"/>
                 <a:cs typeface="Open Sans" panose="020B0606030504020204" pitchFamily="34" charset="0"/>
               </a:rPr>
-              <a:t>30/05/2025</a:t>
+              <a:t>01/06/2025</a:t>
             </a:fld>
             <a:endParaRPr lang="en-GB" sz="1800" b="0" i="0" kern="1200" dirty="0">
               <a:solidFill>
@@ -4294,7 +4520,7 @@
                 <a:ea typeface="Open Sans" panose="020B0606030504020204" pitchFamily="34" charset="0"/>
                 <a:cs typeface="Open Sans" panose="020B0606030504020204" pitchFamily="34" charset="0"/>
               </a:rPr>
-              <a:t>30/05/2025</a:t>
+              <a:t>01/06/2025</a:t>
             </a:fld>
             <a:endParaRPr lang="en-GB" sz="1800" b="0" i="0" kern="1200" dirty="0">
               <a:solidFill>
@@ -4817,7 +5043,7 @@
                 <a:ea typeface="Open Sans" panose="020B0606030504020204" pitchFamily="34" charset="0"/>
                 <a:cs typeface="Open Sans" panose="020B0606030504020204" pitchFamily="34" charset="0"/>
               </a:rPr>
-              <a:t>30/05/2025</a:t>
+              <a:t>01/06/2025</a:t>
             </a:fld>
             <a:endParaRPr lang="en-GB" sz="1800" b="0" i="0" kern="1200" dirty="0">
               <a:solidFill>
@@ -5783,7 +6009,7 @@
                 <a:ea typeface="Open Sans" panose="020B0606030504020204" pitchFamily="34" charset="0"/>
                 <a:cs typeface="Open Sans" panose="020B0606030504020204" pitchFamily="34" charset="0"/>
               </a:rPr>
-              <a:t>30/05/2025</a:t>
+              <a:t>01/06/2025</a:t>
             </a:fld>
             <a:endParaRPr lang="en-GB" sz="1800" b="0" i="0" kern="1200" dirty="0">
               <a:solidFill>
@@ -6222,7 +6448,7 @@
                 <a:ea typeface="Open Sans" panose="020B0606030504020204" pitchFamily="34" charset="0"/>
                 <a:cs typeface="Open Sans" panose="020B0606030504020204" pitchFamily="34" charset="0"/>
               </a:rPr>
-              <a:t>30/05/2025</a:t>
+              <a:t>01/06/2025</a:t>
             </a:fld>
             <a:endParaRPr lang="en-GB" sz="1800" b="0" i="0" kern="1200" dirty="0">
               <a:solidFill>
@@ -7992,7 +8218,7 @@
                 <a:ea typeface="Open Sans" pitchFamily="2" charset="0"/>
                 <a:cs typeface="Open Sans" pitchFamily="2" charset="0"/>
               </a:rPr>
-              <a:t>30/05/2025</a:t>
+              <a:t>01/06/2025</a:t>
             </a:fld>
             <a:endParaRPr lang="en-GB" sz="1800" b="0" i="0" kern="1200" dirty="0">
               <a:solidFill>
@@ -9742,7 +9968,7 @@
                 <a:ea typeface="Open Sans" pitchFamily="2" charset="0"/>
                 <a:cs typeface="Open Sans" pitchFamily="2" charset="0"/>
               </a:rPr>
-              <a:t>30/05/2025</a:t>
+              <a:t>01/06/2025</a:t>
             </a:fld>
             <a:endParaRPr lang="en-GB" sz="1800" b="0" i="0" kern="1200" dirty="0">
               <a:solidFill>
@@ -10259,7 +10485,7 @@
                 <a:ea typeface="Open Sans" panose="020B0606030504020204" pitchFamily="34" charset="0"/>
                 <a:cs typeface="Open Sans" panose="020B0606030504020204" pitchFamily="34" charset="0"/>
               </a:rPr>
-              <a:t>30/05/2025</a:t>
+              <a:t>01/06/2025</a:t>
             </a:fld>
             <a:endParaRPr lang="en-GB" sz="1800" b="0" i="0" kern="1200" dirty="0">
               <a:solidFill>
@@ -10856,7 +11082,7 @@
                 <a:ea typeface="Open Sans" pitchFamily="2" charset="0"/>
                 <a:cs typeface="Open Sans" pitchFamily="2" charset="0"/>
               </a:rPr>
-              <a:t>30/05/2025</a:t>
+              <a:t>01/06/2025</a:t>
             </a:fld>
             <a:endParaRPr lang="en-GB" sz="1800" b="0" i="0" kern="1200" dirty="0">
               <a:solidFill>
@@ -11396,7 +11622,7 @@
                 <a:ea typeface="Open Sans" panose="020B0606030504020204" pitchFamily="34" charset="0"/>
                 <a:cs typeface="Open Sans" panose="020B0606030504020204" pitchFamily="34" charset="0"/>
               </a:rPr>
-              <a:t>30/05/2025</a:t>
+              <a:t>01/06/2025</a:t>
             </a:fld>
             <a:endParaRPr lang="en-GB" sz="1800" b="0" i="0" kern="1200" dirty="0">
               <a:solidFill>
@@ -12097,7 +12323,7 @@
                 <a:ea typeface="Open Sans" panose="020B0606030504020204" pitchFamily="34" charset="0"/>
                 <a:cs typeface="Open Sans" panose="020B0606030504020204" pitchFamily="34" charset="0"/>
               </a:rPr>
-              <a:t>30/05/2025</a:t>
+              <a:t>01/06/2025</a:t>
             </a:fld>
             <a:endParaRPr lang="en-GB" sz="1800" b="0" i="0" kern="1200" dirty="0">
               <a:solidFill>
@@ -12460,7 +12686,7 @@
                 <a:ea typeface="Open Sans" pitchFamily="2" charset="0"/>
                 <a:cs typeface="Open Sans" pitchFamily="2" charset="0"/>
               </a:rPr>
-              <a:t>30/05/2025</a:t>
+              <a:t>01/06/2025</a:t>
             </a:fld>
             <a:endParaRPr lang="en-GB" sz="1800" b="0" i="0" kern="1200" dirty="0">
               <a:solidFill>
@@ -12855,7 +13081,7 @@
                 <a:ea typeface="Open Sans" pitchFamily="2" charset="0"/>
                 <a:cs typeface="Open Sans" pitchFamily="2" charset="0"/>
               </a:rPr>
-              <a:t>30/05/2025</a:t>
+              <a:t>01/06/2025</a:t>
             </a:fld>
             <a:endParaRPr lang="en-GB" sz="1800" b="0" i="0" kern="1200" dirty="0">
               <a:solidFill>
@@ -16279,6 +16505,248 @@
 </file>
 
 <file path=ppt/slides/slide22.xml><?xml version="1.0" encoding="utf-8"?>
+<p:sld xmlns:a="http://schemas.openxmlformats.org/drawingml/2006/main" xmlns:r="http://schemas.openxmlformats.org/officeDocument/2006/relationships" xmlns:p="http://schemas.openxmlformats.org/presentationml/2006/main">
+  <p:cSld>
+    <p:spTree>
+      <p:nvGrpSpPr>
+        <p:cNvPr id="1" name="">
+          <a:extLst>
+            <a:ext uri="{FF2B5EF4-FFF2-40B4-BE49-F238E27FC236}">
+              <a16:creationId xmlns:a16="http://schemas.microsoft.com/office/drawing/2014/main" id="{A34A9A3E-F5D7-BAC7-AABD-318AA1BAC23C}"/>
+            </a:ext>
+          </a:extLst>
+        </p:cNvPr>
+        <p:cNvGrpSpPr/>
+        <p:nvPr/>
+      </p:nvGrpSpPr>
+      <p:grpSpPr>
+        <a:xfrm>
+          <a:off x="0" y="0"/>
+          <a:ext cx="0" cy="0"/>
+          <a:chOff x="0" y="0"/>
+          <a:chExt cx="0" cy="0"/>
+        </a:xfrm>
+      </p:grpSpPr>
+      <p:sp>
+        <p:nvSpPr>
+          <p:cNvPr id="4" name="Title 1">
+            <a:extLst>
+              <a:ext uri="{FF2B5EF4-FFF2-40B4-BE49-F238E27FC236}">
+                <a16:creationId xmlns:a16="http://schemas.microsoft.com/office/drawing/2014/main" id="{9A08A530-17A3-F8EB-8FC2-F55CF115481A}"/>
+              </a:ext>
+            </a:extLst>
+          </p:cNvPr>
+          <p:cNvSpPr txBox="1">
+            <a:spLocks/>
+          </p:cNvSpPr>
+          <p:nvPr/>
+        </p:nvSpPr>
+        <p:spPr>
+          <a:xfrm>
+            <a:off x="990600" y="383056"/>
+            <a:ext cx="10515600" cy="853976"/>
+          </a:xfrm>
+          <a:prstGeom prst="rect">
+            <a:avLst/>
+          </a:prstGeom>
+        </p:spPr>
+        <p:txBody>
+          <a:bodyPr vert="horz" lIns="91440" tIns="45720" rIns="91440" bIns="45720" rtlCol="0" anchor="ctr">
+            <a:normAutofit/>
+          </a:bodyPr>
+          <a:lstStyle>
+            <a:lvl1pPr algn="l" defTabSz="914400" rtl="0" eaLnBrk="1" latinLnBrk="0" hangingPunct="1">
+              <a:lnSpc>
+                <a:spcPct val="90000"/>
+              </a:lnSpc>
+              <a:spcBef>
+                <a:spcPct val="0"/>
+              </a:spcBef>
+              <a:buNone/>
+              <a:defRPr sz="3600" b="1" i="0" kern="1200" cap="all" baseline="0">
+                <a:solidFill>
+                  <a:schemeClr val="tx2"/>
+                </a:solidFill>
+                <a:latin typeface="+mj-lt"/>
+                <a:ea typeface="Open Sans Semibold" panose="020B0606030504020204" pitchFamily="34" charset="0"/>
+                <a:cs typeface="Open Sans Semibold" panose="020B0606030504020204" pitchFamily="34" charset="0"/>
+              </a:defRPr>
+            </a:lvl1pPr>
+          </a:lstStyle>
+          <a:p>
+            <a:r>
+              <a:rPr lang="en-US" dirty="0"/>
+              <a:t>API - AUTENTIFIKACIJA</a:t>
+            </a:r>
+            <a:endParaRPr lang="hr-HR" dirty="0"/>
+          </a:p>
+        </p:txBody>
+      </p:sp>
+      <p:pic>
+        <p:nvPicPr>
+          <p:cNvPr id="3" name="Picture 2">
+            <a:extLst>
+              <a:ext uri="{FF2B5EF4-FFF2-40B4-BE49-F238E27FC236}">
+                <a16:creationId xmlns:a16="http://schemas.microsoft.com/office/drawing/2014/main" id="{7F5D9601-D97D-E359-64F7-41ABBE5478B0}"/>
+              </a:ext>
+            </a:extLst>
+          </p:cNvPr>
+          <p:cNvPicPr>
+            <a:picLocks noChangeAspect="1"/>
+          </p:cNvPicPr>
+          <p:nvPr/>
+        </p:nvPicPr>
+        <p:blipFill>
+          <a:blip r:embed="rId3"/>
+          <a:stretch>
+            <a:fillRect/>
+          </a:stretch>
+        </p:blipFill>
+        <p:spPr>
+          <a:xfrm>
+            <a:off x="990600" y="1433674"/>
+            <a:ext cx="8582025" cy="2409825"/>
+          </a:xfrm>
+          <a:prstGeom prst="rect">
+            <a:avLst/>
+          </a:prstGeom>
+        </p:spPr>
+      </p:pic>
+    </p:spTree>
+    <p:extLst>
+      <p:ext uri="{BB962C8B-B14F-4D97-AF65-F5344CB8AC3E}">
+        <p14:creationId xmlns:p14="http://schemas.microsoft.com/office/powerpoint/2010/main" val="1240808014"/>
+      </p:ext>
+    </p:extLst>
+  </p:cSld>
+  <p:clrMapOvr>
+    <a:masterClrMapping/>
+  </p:clrMapOvr>
+</p:sld>
+</file>
+
+<file path=ppt/slides/slide23.xml><?xml version="1.0" encoding="utf-8"?>
+<p:sld xmlns:a="http://schemas.openxmlformats.org/drawingml/2006/main" xmlns:r="http://schemas.openxmlformats.org/officeDocument/2006/relationships" xmlns:p="http://schemas.openxmlformats.org/presentationml/2006/main">
+  <p:cSld>
+    <p:spTree>
+      <p:nvGrpSpPr>
+        <p:cNvPr id="1" name="">
+          <a:extLst>
+            <a:ext uri="{FF2B5EF4-FFF2-40B4-BE49-F238E27FC236}">
+              <a16:creationId xmlns:a16="http://schemas.microsoft.com/office/drawing/2014/main" id="{94019052-0A1B-91B9-3EF1-8486D6E9497F}"/>
+            </a:ext>
+          </a:extLst>
+        </p:cNvPr>
+        <p:cNvGrpSpPr/>
+        <p:nvPr/>
+      </p:nvGrpSpPr>
+      <p:grpSpPr>
+        <a:xfrm>
+          <a:off x="0" y="0"/>
+          <a:ext cx="0" cy="0"/>
+          <a:chOff x="0" y="0"/>
+          <a:chExt cx="0" cy="0"/>
+        </a:xfrm>
+      </p:grpSpPr>
+      <p:sp>
+        <p:nvSpPr>
+          <p:cNvPr id="4" name="Title 1">
+            <a:extLst>
+              <a:ext uri="{FF2B5EF4-FFF2-40B4-BE49-F238E27FC236}">
+                <a16:creationId xmlns:a16="http://schemas.microsoft.com/office/drawing/2014/main" id="{D98251C4-395A-99B0-3968-F89D98469C1C}"/>
+              </a:ext>
+            </a:extLst>
+          </p:cNvPr>
+          <p:cNvSpPr txBox="1">
+            <a:spLocks/>
+          </p:cNvSpPr>
+          <p:nvPr/>
+        </p:nvSpPr>
+        <p:spPr>
+          <a:xfrm>
+            <a:off x="990600" y="383056"/>
+            <a:ext cx="10515600" cy="853976"/>
+          </a:xfrm>
+          <a:prstGeom prst="rect">
+            <a:avLst/>
+          </a:prstGeom>
+        </p:spPr>
+        <p:txBody>
+          <a:bodyPr vert="horz" lIns="91440" tIns="45720" rIns="91440" bIns="45720" rtlCol="0" anchor="ctr">
+            <a:normAutofit/>
+          </a:bodyPr>
+          <a:lstStyle>
+            <a:lvl1pPr algn="l" defTabSz="914400" rtl="0" eaLnBrk="1" latinLnBrk="0" hangingPunct="1">
+              <a:lnSpc>
+                <a:spcPct val="90000"/>
+              </a:lnSpc>
+              <a:spcBef>
+                <a:spcPct val="0"/>
+              </a:spcBef>
+              <a:buNone/>
+              <a:defRPr sz="3600" b="1" i="0" kern="1200" cap="all" baseline="0">
+                <a:solidFill>
+                  <a:schemeClr val="tx2"/>
+                </a:solidFill>
+                <a:latin typeface="+mj-lt"/>
+                <a:ea typeface="Open Sans Semibold" panose="020B0606030504020204" pitchFamily="34" charset="0"/>
+                <a:cs typeface="Open Sans Semibold" panose="020B0606030504020204" pitchFamily="34" charset="0"/>
+              </a:defRPr>
+            </a:lvl1pPr>
+          </a:lstStyle>
+          <a:p>
+            <a:r>
+              <a:rPr lang="en-US" dirty="0"/>
+              <a:t>API - AUTENTIFIKACIJA</a:t>
+            </a:r>
+            <a:endParaRPr lang="hr-HR" dirty="0"/>
+          </a:p>
+        </p:txBody>
+      </p:sp>
+      <p:pic>
+        <p:nvPicPr>
+          <p:cNvPr id="5" name="Picture 4">
+            <a:extLst>
+              <a:ext uri="{FF2B5EF4-FFF2-40B4-BE49-F238E27FC236}">
+                <a16:creationId xmlns:a16="http://schemas.microsoft.com/office/drawing/2014/main" id="{12D22091-950B-FDA5-7F70-085EFD2B6D54}"/>
+              </a:ext>
+            </a:extLst>
+          </p:cNvPr>
+          <p:cNvPicPr>
+            <a:picLocks noChangeAspect="1"/>
+          </p:cNvPicPr>
+          <p:nvPr/>
+        </p:nvPicPr>
+        <p:blipFill>
+          <a:blip r:embed="rId3"/>
+          <a:stretch>
+            <a:fillRect/>
+          </a:stretch>
+        </p:blipFill>
+        <p:spPr>
+          <a:xfrm>
+            <a:off x="1046135" y="1210620"/>
+            <a:ext cx="8772042" cy="4436759"/>
+          </a:xfrm>
+          <a:prstGeom prst="rect">
+            <a:avLst/>
+          </a:prstGeom>
+        </p:spPr>
+      </p:pic>
+    </p:spTree>
+    <p:extLst>
+      <p:ext uri="{BB962C8B-B14F-4D97-AF65-F5344CB8AC3E}">
+        <p14:creationId xmlns:p14="http://schemas.microsoft.com/office/powerpoint/2010/main" val="469507262"/>
+      </p:ext>
+    </p:extLst>
+  </p:cSld>
+  <p:clrMapOvr>
+    <a:masterClrMapping/>
+  </p:clrMapOvr>
+</p:sld>
+</file>
+
+<file path=ppt/slides/slide24.xml><?xml version="1.0" encoding="utf-8"?>
 <p:sld xmlns:a="http://schemas.openxmlformats.org/drawingml/2006/main" xmlns:r="http://schemas.openxmlformats.org/officeDocument/2006/relationships" xmlns:p="http://schemas.openxmlformats.org/presentationml/2006/main">
   <p:cSld>
     <p:spTree>
@@ -18595,6 +19063,15 @@
 </file>
 
 <file path=customXml/item2.xml><?xml version="1.0" encoding="utf-8"?>
+<?mso-contentType ?>
+<FormTemplates xmlns="http://schemas.microsoft.com/sharepoint/v3/contenttype/forms">
+  <Display>DocumentLibraryForm</Display>
+  <Edit>DocumentLibraryForm</Edit>
+  <New>DocumentLibraryForm</New>
+</FormTemplates>
+</file>
+
+<file path=customXml/item3.xml><?xml version="1.0" encoding="utf-8"?>
 <p:properties xmlns:p="http://schemas.microsoft.com/office/2006/metadata/properties" xmlns:xsi="http://www.w3.org/2001/XMLSchema-instance" xmlns:pc="http://schemas.microsoft.com/office/infopath/2007/PartnerControls">
   <documentManagement>
     <lcf76f155ced4ddcb4097134ff3c332f xmlns="40806f44-bc4a-4ea4-b660-c6da93f8f179">
@@ -18603,15 +19080,6 @@
     <TaxCatchAll xmlns="758d0d8f-b783-4c78-ab73-9740c97b97cf" xsi:nil="true"/>
   </documentManagement>
 </p:properties>
-</file>
-
-<file path=customXml/item3.xml><?xml version="1.0" encoding="utf-8"?>
-<?mso-contentType ?>
-<FormTemplates xmlns="http://schemas.microsoft.com/sharepoint/v3/contenttype/forms">
-  <Display>DocumentLibraryForm</Display>
-  <Edit>DocumentLibraryForm</Edit>
-  <New>DocumentLibraryForm</New>
-</FormTemplates>
 </file>
 
 <file path=customXml/itemProps1.xml><?xml version="1.0" encoding="utf-8"?>
@@ -18634,6 +19102,14 @@
 </file>
 
 <file path=customXml/itemProps2.xml><?xml version="1.0" encoding="utf-8"?>
+<ds:datastoreItem xmlns:ds="http://schemas.openxmlformats.org/officeDocument/2006/customXml" ds:itemID="{46915D30-CAA6-465E-907F-1770D4E3B01D}">
+  <ds:schemaRefs>
+    <ds:schemaRef ds:uri="http://schemas.microsoft.com/sharepoint/v3/contenttype/forms"/>
+  </ds:schemaRefs>
+</ds:datastoreItem>
+</file>
+
+<file path=customXml/itemProps3.xml><?xml version="1.0" encoding="utf-8"?>
 <ds:datastoreItem xmlns:ds="http://schemas.openxmlformats.org/officeDocument/2006/customXml" ds:itemID="{61E72F81-8533-461E-8E71-A6D77294CFEF}">
   <ds:schemaRefs>
     <ds:schemaRef ds:uri="http://purl.org/dc/elements/1.1/"/>
@@ -18648,12 +19124,4 @@
     <ds:schemaRef ds:uri="http://schemas.microsoft.com/office/2006/metadata/properties"/>
   </ds:schemaRefs>
 </ds:datastoreItem>
-</file>
-
-<file path=customXml/itemProps3.xml><?xml version="1.0" encoding="utf-8"?>
-<ds:datastoreItem xmlns:ds="http://schemas.openxmlformats.org/officeDocument/2006/customXml" ds:itemID="{46915D30-CAA6-465E-907F-1770D4E3B01D}">
-  <ds:schemaRefs>
-    <ds:schemaRef ds:uri="http://schemas.microsoft.com/sharepoint/v3/contenttype/forms"/>
-  </ds:schemaRefs>
-</ds:datastoreItem>
 </file>
--- a/Bootcamp/api/api.pptx
+++ b/Bootcamp/api/api.pptx
@@ -5,7 +5,7 @@
     <p:sldMasterId id="2147483648" r:id="rId4"/>
   </p:sldMasterIdLst>
   <p:notesMasterIdLst>
-    <p:notesMasterId r:id="rId29"/>
+    <p:notesMasterId r:id="rId28"/>
   </p:notesMasterIdLst>
   <p:sldIdLst>
     <p:sldId id="282" r:id="rId5"/>
@@ -14,24 +14,23 @@
     <p:sldId id="442" r:id="rId8"/>
     <p:sldId id="444" r:id="rId9"/>
     <p:sldId id="443" r:id="rId10"/>
-    <p:sldId id="445" r:id="rId11"/>
-    <p:sldId id="450" r:id="rId12"/>
-    <p:sldId id="451" r:id="rId13"/>
-    <p:sldId id="452" r:id="rId14"/>
-    <p:sldId id="453" r:id="rId15"/>
-    <p:sldId id="449" r:id="rId16"/>
-    <p:sldId id="446" r:id="rId17"/>
-    <p:sldId id="447" r:id="rId18"/>
-    <p:sldId id="454" r:id="rId19"/>
-    <p:sldId id="459" r:id="rId20"/>
-    <p:sldId id="455" r:id="rId21"/>
-    <p:sldId id="458" r:id="rId22"/>
-    <p:sldId id="460" r:id="rId23"/>
-    <p:sldId id="456" r:id="rId24"/>
-    <p:sldId id="461" r:id="rId25"/>
-    <p:sldId id="463" r:id="rId26"/>
-    <p:sldId id="464" r:id="rId27"/>
-    <p:sldId id="462" r:id="rId28"/>
+    <p:sldId id="450" r:id="rId11"/>
+    <p:sldId id="451" r:id="rId12"/>
+    <p:sldId id="452" r:id="rId13"/>
+    <p:sldId id="453" r:id="rId14"/>
+    <p:sldId id="449" r:id="rId15"/>
+    <p:sldId id="446" r:id="rId16"/>
+    <p:sldId id="447" r:id="rId17"/>
+    <p:sldId id="454" r:id="rId18"/>
+    <p:sldId id="459" r:id="rId19"/>
+    <p:sldId id="455" r:id="rId20"/>
+    <p:sldId id="458" r:id="rId21"/>
+    <p:sldId id="460" r:id="rId22"/>
+    <p:sldId id="456" r:id="rId23"/>
+    <p:sldId id="461" r:id="rId24"/>
+    <p:sldId id="463" r:id="rId25"/>
+    <p:sldId id="464" r:id="rId26"/>
+    <p:sldId id="462" r:id="rId27"/>
   </p:sldIdLst>
   <p:sldSz cx="12192000" cy="6858000"/>
   <p:notesSz cx="6858000" cy="9144000"/>
@@ -141,7 +140,6 @@
             <p14:sldId id="442"/>
             <p14:sldId id="444"/>
             <p14:sldId id="443"/>
-            <p14:sldId id="445"/>
             <p14:sldId id="450"/>
             <p14:sldId id="451"/>
             <p14:sldId id="452"/>
@@ -263,7 +261,7 @@
           <a:p>
             <a:fld id="{B2A70591-2E3C-5F42-A4E1-C0F5A0F4E5DB}" type="datetimeFigureOut">
               <a:rPr lang="en-US" smtClean="0"/>
-              <a:t>6/1/2025</a:t>
+              <a:t>6/2/2025</a:t>
             </a:fld>
             <a:endParaRPr lang="en-US"/>
           </a:p>
@@ -650,114 +648,6 @@
         <p:cNvPr id="1" name="">
           <a:extLst>
             <a:ext uri="{FF2B5EF4-FFF2-40B4-BE49-F238E27FC236}">
-              <a16:creationId xmlns:a16="http://schemas.microsoft.com/office/drawing/2014/main" id="{D378333D-7777-E80F-9FAB-66E3FEB38FD4}"/>
-            </a:ext>
-          </a:extLst>
-        </p:cNvPr>
-        <p:cNvGrpSpPr/>
-        <p:nvPr/>
-      </p:nvGrpSpPr>
-      <p:grpSpPr>
-        <a:xfrm>
-          <a:off x="0" y="0"/>
-          <a:ext cx="0" cy="0"/>
-          <a:chOff x="0" y="0"/>
-          <a:chExt cx="0" cy="0"/>
-        </a:xfrm>
-      </p:grpSpPr>
-      <p:sp>
-        <p:nvSpPr>
-          <p:cNvPr id="2" name="Slide Image Placeholder 1">
-            <a:extLst>
-              <a:ext uri="{FF2B5EF4-FFF2-40B4-BE49-F238E27FC236}">
-                <a16:creationId xmlns:a16="http://schemas.microsoft.com/office/drawing/2014/main" id="{AC1A0DD3-3C7E-0B23-9A99-F7FB18A2A392}"/>
-              </a:ext>
-            </a:extLst>
-          </p:cNvPr>
-          <p:cNvSpPr>
-            <a:spLocks noGrp="1" noRot="1" noChangeAspect="1"/>
-          </p:cNvSpPr>
-          <p:nvPr>
-            <p:ph type="sldImg"/>
-          </p:nvPr>
-        </p:nvSpPr>
-        <p:spPr/>
-      </p:sp>
-      <p:sp>
-        <p:nvSpPr>
-          <p:cNvPr id="3" name="Notes Placeholder 2">
-            <a:extLst>
-              <a:ext uri="{FF2B5EF4-FFF2-40B4-BE49-F238E27FC236}">
-                <a16:creationId xmlns:a16="http://schemas.microsoft.com/office/drawing/2014/main" id="{A34275F2-0326-A8EE-A107-CFE03E41C20B}"/>
-              </a:ext>
-            </a:extLst>
-          </p:cNvPr>
-          <p:cNvSpPr>
-            <a:spLocks noGrp="1"/>
-          </p:cNvSpPr>
-          <p:nvPr>
-            <p:ph type="body" idx="1"/>
-          </p:nvPr>
-        </p:nvSpPr>
-        <p:spPr/>
-        <p:txBody>
-          <a:bodyPr/>
-          <a:lstStyle/>
-          <a:p>
-            <a:endParaRPr lang="hr-HR" dirty="0"/>
-          </a:p>
-        </p:txBody>
-      </p:sp>
-      <p:sp>
-        <p:nvSpPr>
-          <p:cNvPr id="4" name="Slide Number Placeholder 3">
-            <a:extLst>
-              <a:ext uri="{FF2B5EF4-FFF2-40B4-BE49-F238E27FC236}">
-                <a16:creationId xmlns:a16="http://schemas.microsoft.com/office/drawing/2014/main" id="{B126F7F4-53EB-C18B-A308-2FC593C719AA}"/>
-              </a:ext>
-            </a:extLst>
-          </p:cNvPr>
-          <p:cNvSpPr>
-            <a:spLocks noGrp="1"/>
-          </p:cNvSpPr>
-          <p:nvPr>
-            <p:ph type="sldNum" sz="quarter" idx="5"/>
-          </p:nvPr>
-        </p:nvSpPr>
-        <p:spPr/>
-        <p:txBody>
-          <a:bodyPr/>
-          <a:lstStyle/>
-          <a:p>
-            <a:fld id="{343B951A-A665-1949-AEDB-B62DC9BE7F13}" type="slidenum">
-              <a:rPr lang="en-US" smtClean="0"/>
-              <a:t>11</a:t>
-            </a:fld>
-            <a:endParaRPr lang="en-US"/>
-          </a:p>
-        </p:txBody>
-      </p:sp>
-    </p:spTree>
-    <p:extLst>
-      <p:ext uri="{BB962C8B-B14F-4D97-AF65-F5344CB8AC3E}">
-        <p14:creationId xmlns:p14="http://schemas.microsoft.com/office/powerpoint/2010/main" val="3317124206"/>
-      </p:ext>
-    </p:extLst>
-  </p:cSld>
-  <p:clrMapOvr>
-    <a:masterClrMapping/>
-  </p:clrMapOvr>
-</p:notes>
-</file>
-
-<file path=ppt/notesSlides/notesSlide11.xml><?xml version="1.0" encoding="utf-8"?>
-<p:notes xmlns:a="http://schemas.openxmlformats.org/drawingml/2006/main" xmlns:r="http://schemas.openxmlformats.org/officeDocument/2006/relationships" xmlns:p="http://schemas.openxmlformats.org/presentationml/2006/main">
-  <p:cSld>
-    <p:spTree>
-      <p:nvGrpSpPr>
-        <p:cNvPr id="1" name="">
-          <a:extLst>
-            <a:ext uri="{FF2B5EF4-FFF2-40B4-BE49-F238E27FC236}">
               <a16:creationId xmlns:a16="http://schemas.microsoft.com/office/drawing/2014/main" id="{45FC7AA3-4E26-C1D9-C34B-299C622FCCD1}"/>
             </a:ext>
           </a:extLst>
@@ -839,7 +729,7 @@
           <a:p>
             <a:fld id="{343B951A-A665-1949-AEDB-B62DC9BE7F13}" type="slidenum">
               <a:rPr lang="en-US" smtClean="0"/>
-              <a:t>12</a:t>
+              <a:t>11</a:t>
             </a:fld>
             <a:endParaRPr lang="en-US"/>
           </a:p>
@@ -858,7 +748,7 @@
 </p:notes>
 </file>
 
-<file path=ppt/notesSlides/notesSlide12.xml><?xml version="1.0" encoding="utf-8"?>
+<file path=ppt/notesSlides/notesSlide11.xml><?xml version="1.0" encoding="utf-8"?>
 <p:notes xmlns:a="http://schemas.openxmlformats.org/drawingml/2006/main" xmlns:r="http://schemas.openxmlformats.org/officeDocument/2006/relationships" xmlns:p="http://schemas.openxmlformats.org/presentationml/2006/main">
   <p:cSld>
     <p:spTree>
@@ -947,7 +837,7 @@
           <a:p>
             <a:fld id="{343B951A-A665-1949-AEDB-B62DC9BE7F13}" type="slidenum">
               <a:rPr lang="en-US" smtClean="0"/>
-              <a:t>13</a:t>
+              <a:t>12</a:t>
             </a:fld>
             <a:endParaRPr lang="en-US"/>
           </a:p>
@@ -966,7 +856,7 @@
 </p:notes>
 </file>
 
-<file path=ppt/notesSlides/notesSlide13.xml><?xml version="1.0" encoding="utf-8"?>
+<file path=ppt/notesSlides/notesSlide12.xml><?xml version="1.0" encoding="utf-8"?>
 <p:notes xmlns:a="http://schemas.openxmlformats.org/drawingml/2006/main" xmlns:r="http://schemas.openxmlformats.org/officeDocument/2006/relationships" xmlns:p="http://schemas.openxmlformats.org/presentationml/2006/main">
   <p:cSld>
     <p:spTree>
@@ -1055,7 +945,7 @@
           <a:p>
             <a:fld id="{343B951A-A665-1949-AEDB-B62DC9BE7F13}" type="slidenum">
               <a:rPr lang="en-US" smtClean="0"/>
-              <a:t>14</a:t>
+              <a:t>13</a:t>
             </a:fld>
             <a:endParaRPr lang="en-US"/>
           </a:p>
@@ -1074,7 +964,7 @@
 </p:notes>
 </file>
 
-<file path=ppt/notesSlides/notesSlide14.xml><?xml version="1.0" encoding="utf-8"?>
+<file path=ppt/notesSlides/notesSlide13.xml><?xml version="1.0" encoding="utf-8"?>
 <p:notes xmlns:a="http://schemas.openxmlformats.org/drawingml/2006/main" xmlns:r="http://schemas.openxmlformats.org/officeDocument/2006/relationships" xmlns:p="http://schemas.openxmlformats.org/presentationml/2006/main">
   <p:cSld>
     <p:spTree>
@@ -1166,7 +1056,7 @@
           <a:p>
             <a:fld id="{343B951A-A665-1949-AEDB-B62DC9BE7F13}" type="slidenum">
               <a:rPr lang="en-US" smtClean="0"/>
-              <a:t>15</a:t>
+              <a:t>14</a:t>
             </a:fld>
             <a:endParaRPr lang="en-US"/>
           </a:p>
@@ -1185,7 +1075,7 @@
 </p:notes>
 </file>
 
-<file path=ppt/notesSlides/notesSlide15.xml><?xml version="1.0" encoding="utf-8"?>
+<file path=ppt/notesSlides/notesSlide14.xml><?xml version="1.0" encoding="utf-8"?>
 <p:notes xmlns:a="http://schemas.openxmlformats.org/drawingml/2006/main" xmlns:r="http://schemas.openxmlformats.org/officeDocument/2006/relationships" xmlns:p="http://schemas.openxmlformats.org/presentationml/2006/main">
   <p:cSld>
     <p:spTree>
@@ -1274,7 +1164,7 @@
           <a:p>
             <a:fld id="{343B951A-A665-1949-AEDB-B62DC9BE7F13}" type="slidenum">
               <a:rPr lang="en-US" smtClean="0"/>
-              <a:t>16</a:t>
+              <a:t>15</a:t>
             </a:fld>
             <a:endParaRPr lang="en-US"/>
           </a:p>
@@ -1293,7 +1183,7 @@
 </p:notes>
 </file>
 
-<file path=ppt/notesSlides/notesSlide16.xml><?xml version="1.0" encoding="utf-8"?>
+<file path=ppt/notesSlides/notesSlide15.xml><?xml version="1.0" encoding="utf-8"?>
 <p:notes xmlns:a="http://schemas.openxmlformats.org/drawingml/2006/main" xmlns:r="http://schemas.openxmlformats.org/officeDocument/2006/relationships" xmlns:p="http://schemas.openxmlformats.org/presentationml/2006/main">
   <p:cSld>
     <p:spTree>
@@ -1382,7 +1272,7 @@
           <a:p>
             <a:fld id="{343B951A-A665-1949-AEDB-B62DC9BE7F13}" type="slidenum">
               <a:rPr lang="en-US" smtClean="0"/>
-              <a:t>17</a:t>
+              <a:t>16</a:t>
             </a:fld>
             <a:endParaRPr lang="en-US"/>
           </a:p>
@@ -1401,7 +1291,7 @@
 </p:notes>
 </file>
 
-<file path=ppt/notesSlides/notesSlide17.xml><?xml version="1.0" encoding="utf-8"?>
+<file path=ppt/notesSlides/notesSlide16.xml><?xml version="1.0" encoding="utf-8"?>
 <p:notes xmlns:a="http://schemas.openxmlformats.org/drawingml/2006/main" xmlns:r="http://schemas.openxmlformats.org/officeDocument/2006/relationships" xmlns:p="http://schemas.openxmlformats.org/presentationml/2006/main">
   <p:cSld>
     <p:spTree>
@@ -1510,7 +1400,7 @@
           <a:p>
             <a:fld id="{343B951A-A665-1949-AEDB-B62DC9BE7F13}" type="slidenum">
               <a:rPr lang="en-US" smtClean="0"/>
-              <a:t>18</a:t>
+              <a:t>17</a:t>
             </a:fld>
             <a:endParaRPr lang="en-US"/>
           </a:p>
@@ -1529,7 +1419,7 @@
 </p:notes>
 </file>
 
-<file path=ppt/notesSlides/notesSlide18.xml><?xml version="1.0" encoding="utf-8"?>
+<file path=ppt/notesSlides/notesSlide17.xml><?xml version="1.0" encoding="utf-8"?>
 <p:notes xmlns:a="http://schemas.openxmlformats.org/drawingml/2006/main" xmlns:r="http://schemas.openxmlformats.org/officeDocument/2006/relationships" xmlns:p="http://schemas.openxmlformats.org/presentationml/2006/main">
   <p:cSld>
     <p:spTree>
@@ -1638,7 +1528,7 @@
           <a:p>
             <a:fld id="{343B951A-A665-1949-AEDB-B62DC9BE7F13}" type="slidenum">
               <a:rPr lang="en-US" smtClean="0"/>
-              <a:t>19</a:t>
+              <a:t>18</a:t>
             </a:fld>
             <a:endParaRPr lang="en-US"/>
           </a:p>
@@ -1657,7 +1547,7 @@
 </p:notes>
 </file>
 
-<file path=ppt/notesSlides/notesSlide19.xml><?xml version="1.0" encoding="utf-8"?>
+<file path=ppt/notesSlides/notesSlide18.xml><?xml version="1.0" encoding="utf-8"?>
 <p:notes xmlns:a="http://schemas.openxmlformats.org/drawingml/2006/main" xmlns:r="http://schemas.openxmlformats.org/officeDocument/2006/relationships" xmlns:p="http://schemas.openxmlformats.org/presentationml/2006/main">
   <p:cSld>
     <p:spTree>
@@ -1746,7 +1636,7 @@
           <a:p>
             <a:fld id="{343B951A-A665-1949-AEDB-B62DC9BE7F13}" type="slidenum">
               <a:rPr lang="en-US" smtClean="0"/>
-              <a:t>20</a:t>
+              <a:t>19</a:t>
             </a:fld>
             <a:endParaRPr lang="en-US"/>
           </a:p>
@@ -1756,6 +1646,117 @@
     <p:extLst>
       <p:ext uri="{BB962C8B-B14F-4D97-AF65-F5344CB8AC3E}">
         <p14:creationId xmlns:p14="http://schemas.microsoft.com/office/powerpoint/2010/main" val="463581087"/>
+      </p:ext>
+    </p:extLst>
+  </p:cSld>
+  <p:clrMapOvr>
+    <a:masterClrMapping/>
+  </p:clrMapOvr>
+</p:notes>
+</file>
+
+<file path=ppt/notesSlides/notesSlide19.xml><?xml version="1.0" encoding="utf-8"?>
+<p:notes xmlns:a="http://schemas.openxmlformats.org/drawingml/2006/main" xmlns:r="http://schemas.openxmlformats.org/officeDocument/2006/relationships" xmlns:p="http://schemas.openxmlformats.org/presentationml/2006/main">
+  <p:cSld>
+    <p:spTree>
+      <p:nvGrpSpPr>
+        <p:cNvPr id="1" name="">
+          <a:extLst>
+            <a:ext uri="{FF2B5EF4-FFF2-40B4-BE49-F238E27FC236}">
+              <a16:creationId xmlns:a16="http://schemas.microsoft.com/office/drawing/2014/main" id="{96558850-72FC-90D7-5820-B6C230B6E24E}"/>
+            </a:ext>
+          </a:extLst>
+        </p:cNvPr>
+        <p:cNvGrpSpPr/>
+        <p:nvPr/>
+      </p:nvGrpSpPr>
+      <p:grpSpPr>
+        <a:xfrm>
+          <a:off x="0" y="0"/>
+          <a:ext cx="0" cy="0"/>
+          <a:chOff x="0" y="0"/>
+          <a:chExt cx="0" cy="0"/>
+        </a:xfrm>
+      </p:grpSpPr>
+      <p:sp>
+        <p:nvSpPr>
+          <p:cNvPr id="2" name="Slide Image Placeholder 1">
+            <a:extLst>
+              <a:ext uri="{FF2B5EF4-FFF2-40B4-BE49-F238E27FC236}">
+                <a16:creationId xmlns:a16="http://schemas.microsoft.com/office/drawing/2014/main" id="{02B93FD5-45FF-91D1-F02E-B1D3C8A0B586}"/>
+              </a:ext>
+            </a:extLst>
+          </p:cNvPr>
+          <p:cNvSpPr>
+            <a:spLocks noGrp="1" noRot="1" noChangeAspect="1"/>
+          </p:cNvSpPr>
+          <p:nvPr>
+            <p:ph type="sldImg"/>
+          </p:nvPr>
+        </p:nvSpPr>
+        <p:spPr/>
+      </p:sp>
+      <p:sp>
+        <p:nvSpPr>
+          <p:cNvPr id="3" name="Notes Placeholder 2">
+            <a:extLst>
+              <a:ext uri="{FF2B5EF4-FFF2-40B4-BE49-F238E27FC236}">
+                <a16:creationId xmlns:a16="http://schemas.microsoft.com/office/drawing/2014/main" id="{5B574BED-178C-00F7-957A-63C14C62022A}"/>
+              </a:ext>
+            </a:extLst>
+          </p:cNvPr>
+          <p:cNvSpPr>
+            <a:spLocks noGrp="1"/>
+          </p:cNvSpPr>
+          <p:nvPr>
+            <p:ph type="body" idx="1"/>
+          </p:nvPr>
+        </p:nvSpPr>
+        <p:spPr/>
+        <p:txBody>
+          <a:bodyPr/>
+          <a:lstStyle/>
+          <a:p>
+            <a:r>
+              <a:rPr lang="hr-HR" dirty="0"/>
+              <a:t>https://axios-http.com/docs/example</a:t>
+            </a:r>
+          </a:p>
+        </p:txBody>
+      </p:sp>
+      <p:sp>
+        <p:nvSpPr>
+          <p:cNvPr id="4" name="Slide Number Placeholder 3">
+            <a:extLst>
+              <a:ext uri="{FF2B5EF4-FFF2-40B4-BE49-F238E27FC236}">
+                <a16:creationId xmlns:a16="http://schemas.microsoft.com/office/drawing/2014/main" id="{15611499-6DE1-3BDB-6AF4-52EC131FBEEB}"/>
+              </a:ext>
+            </a:extLst>
+          </p:cNvPr>
+          <p:cNvSpPr>
+            <a:spLocks noGrp="1"/>
+          </p:cNvSpPr>
+          <p:nvPr>
+            <p:ph type="sldNum" sz="quarter" idx="5"/>
+          </p:nvPr>
+        </p:nvSpPr>
+        <p:spPr/>
+        <p:txBody>
+          <a:bodyPr/>
+          <a:lstStyle/>
+          <a:p>
+            <a:fld id="{343B951A-A665-1949-AEDB-B62DC9BE7F13}" type="slidenum">
+              <a:rPr lang="en-US" smtClean="0"/>
+              <a:t>20</a:t>
+            </a:fld>
+            <a:endParaRPr lang="en-US"/>
+          </a:p>
+        </p:txBody>
+      </p:sp>
+    </p:spTree>
+    <p:extLst>
+      <p:ext uri="{BB962C8B-B14F-4D97-AF65-F5344CB8AC3E}">
+        <p14:creationId xmlns:p14="http://schemas.microsoft.com/office/powerpoint/2010/main" val="1223610085"/>
       </p:ext>
     </p:extLst>
   </p:cSld>
@@ -1881,117 +1882,6 @@
         <p:cNvPr id="1" name="">
           <a:extLst>
             <a:ext uri="{FF2B5EF4-FFF2-40B4-BE49-F238E27FC236}">
-              <a16:creationId xmlns:a16="http://schemas.microsoft.com/office/drawing/2014/main" id="{96558850-72FC-90D7-5820-B6C230B6E24E}"/>
-            </a:ext>
-          </a:extLst>
-        </p:cNvPr>
-        <p:cNvGrpSpPr/>
-        <p:nvPr/>
-      </p:nvGrpSpPr>
-      <p:grpSpPr>
-        <a:xfrm>
-          <a:off x="0" y="0"/>
-          <a:ext cx="0" cy="0"/>
-          <a:chOff x="0" y="0"/>
-          <a:chExt cx="0" cy="0"/>
-        </a:xfrm>
-      </p:grpSpPr>
-      <p:sp>
-        <p:nvSpPr>
-          <p:cNvPr id="2" name="Slide Image Placeholder 1">
-            <a:extLst>
-              <a:ext uri="{FF2B5EF4-FFF2-40B4-BE49-F238E27FC236}">
-                <a16:creationId xmlns:a16="http://schemas.microsoft.com/office/drawing/2014/main" id="{02B93FD5-45FF-91D1-F02E-B1D3C8A0B586}"/>
-              </a:ext>
-            </a:extLst>
-          </p:cNvPr>
-          <p:cNvSpPr>
-            <a:spLocks noGrp="1" noRot="1" noChangeAspect="1"/>
-          </p:cNvSpPr>
-          <p:nvPr>
-            <p:ph type="sldImg"/>
-          </p:nvPr>
-        </p:nvSpPr>
-        <p:spPr/>
-      </p:sp>
-      <p:sp>
-        <p:nvSpPr>
-          <p:cNvPr id="3" name="Notes Placeholder 2">
-            <a:extLst>
-              <a:ext uri="{FF2B5EF4-FFF2-40B4-BE49-F238E27FC236}">
-                <a16:creationId xmlns:a16="http://schemas.microsoft.com/office/drawing/2014/main" id="{5B574BED-178C-00F7-957A-63C14C62022A}"/>
-              </a:ext>
-            </a:extLst>
-          </p:cNvPr>
-          <p:cNvSpPr>
-            <a:spLocks noGrp="1"/>
-          </p:cNvSpPr>
-          <p:nvPr>
-            <p:ph type="body" idx="1"/>
-          </p:nvPr>
-        </p:nvSpPr>
-        <p:spPr/>
-        <p:txBody>
-          <a:bodyPr/>
-          <a:lstStyle/>
-          <a:p>
-            <a:r>
-              <a:rPr lang="hr-HR" dirty="0"/>
-              <a:t>https://axios-http.com/docs/example</a:t>
-            </a:r>
-          </a:p>
-        </p:txBody>
-      </p:sp>
-      <p:sp>
-        <p:nvSpPr>
-          <p:cNvPr id="4" name="Slide Number Placeholder 3">
-            <a:extLst>
-              <a:ext uri="{FF2B5EF4-FFF2-40B4-BE49-F238E27FC236}">
-                <a16:creationId xmlns:a16="http://schemas.microsoft.com/office/drawing/2014/main" id="{15611499-6DE1-3BDB-6AF4-52EC131FBEEB}"/>
-              </a:ext>
-            </a:extLst>
-          </p:cNvPr>
-          <p:cNvSpPr>
-            <a:spLocks noGrp="1"/>
-          </p:cNvSpPr>
-          <p:nvPr>
-            <p:ph type="sldNum" sz="quarter" idx="5"/>
-          </p:nvPr>
-        </p:nvSpPr>
-        <p:spPr/>
-        <p:txBody>
-          <a:bodyPr/>
-          <a:lstStyle/>
-          <a:p>
-            <a:fld id="{343B951A-A665-1949-AEDB-B62DC9BE7F13}" type="slidenum">
-              <a:rPr lang="en-US" smtClean="0"/>
-              <a:t>21</a:t>
-            </a:fld>
-            <a:endParaRPr lang="en-US"/>
-          </a:p>
-        </p:txBody>
-      </p:sp>
-    </p:spTree>
-    <p:extLst>
-      <p:ext uri="{BB962C8B-B14F-4D97-AF65-F5344CB8AC3E}">
-        <p14:creationId xmlns:p14="http://schemas.microsoft.com/office/powerpoint/2010/main" val="1223610085"/>
-      </p:ext>
-    </p:extLst>
-  </p:cSld>
-  <p:clrMapOvr>
-    <a:masterClrMapping/>
-  </p:clrMapOvr>
-</p:notes>
-</file>
-
-<file path=ppt/notesSlides/notesSlide21.xml><?xml version="1.0" encoding="utf-8"?>
-<p:notes xmlns:a="http://schemas.openxmlformats.org/drawingml/2006/main" xmlns:r="http://schemas.openxmlformats.org/officeDocument/2006/relationships" xmlns:p="http://schemas.openxmlformats.org/presentationml/2006/main">
-  <p:cSld>
-    <p:spTree>
-      <p:nvGrpSpPr>
-        <p:cNvPr id="1" name="">
-          <a:extLst>
-            <a:ext uri="{FF2B5EF4-FFF2-40B4-BE49-F238E27FC236}">
               <a16:creationId xmlns:a16="http://schemas.microsoft.com/office/drawing/2014/main" id="{A49EF4EA-F9C5-3729-97D2-BE68ECA5E742}"/>
             </a:ext>
           </a:extLst>
@@ -2076,7 +1966,7 @@
           <a:p>
             <a:fld id="{343B951A-A665-1949-AEDB-B62DC9BE7F13}" type="slidenum">
               <a:rPr lang="en-US" smtClean="0"/>
-              <a:t>22</a:t>
+              <a:t>21</a:t>
             </a:fld>
             <a:endParaRPr lang="en-US"/>
           </a:p>
@@ -2095,7 +1985,7 @@
 </p:notes>
 </file>
 
-<file path=ppt/notesSlides/notesSlide22.xml><?xml version="1.0" encoding="utf-8"?>
+<file path=ppt/notesSlides/notesSlide21.xml><?xml version="1.0" encoding="utf-8"?>
 <p:notes xmlns:a="http://schemas.openxmlformats.org/drawingml/2006/main" xmlns:r="http://schemas.openxmlformats.org/officeDocument/2006/relationships" xmlns:p="http://schemas.openxmlformats.org/presentationml/2006/main">
   <p:cSld>
     <p:spTree>
@@ -2187,7 +2077,7 @@
           <a:p>
             <a:fld id="{343B951A-A665-1949-AEDB-B62DC9BE7F13}" type="slidenum">
               <a:rPr lang="en-US" smtClean="0"/>
-              <a:t>23</a:t>
+              <a:t>22</a:t>
             </a:fld>
             <a:endParaRPr lang="en-US"/>
           </a:p>
@@ -2206,7 +2096,7 @@
 </p:notes>
 </file>
 
-<file path=ppt/notesSlides/notesSlide23.xml><?xml version="1.0" encoding="utf-8"?>
+<file path=ppt/notesSlides/notesSlide22.xml><?xml version="1.0" encoding="utf-8"?>
 <p:notes xmlns:a="http://schemas.openxmlformats.org/drawingml/2006/main" xmlns:r="http://schemas.openxmlformats.org/officeDocument/2006/relationships" xmlns:p="http://schemas.openxmlformats.org/presentationml/2006/main">
   <p:cSld>
     <p:spTree>
@@ -2308,7 +2198,7 @@
           <a:p>
             <a:fld id="{343B951A-A665-1949-AEDB-B62DC9BE7F13}" type="slidenum">
               <a:rPr lang="en-US" smtClean="0"/>
-              <a:t>24</a:t>
+              <a:t>23</a:t>
             </a:fld>
             <a:endParaRPr lang="en-US"/>
           </a:p>
@@ -2659,114 +2549,6 @@
         <p:cNvPr id="1" name="">
           <a:extLst>
             <a:ext uri="{FF2B5EF4-FFF2-40B4-BE49-F238E27FC236}">
-              <a16:creationId xmlns:a16="http://schemas.microsoft.com/office/drawing/2014/main" id="{39B0CF5B-693E-0811-A776-23AE574D857A}"/>
-            </a:ext>
-          </a:extLst>
-        </p:cNvPr>
-        <p:cNvGrpSpPr/>
-        <p:nvPr/>
-      </p:nvGrpSpPr>
-      <p:grpSpPr>
-        <a:xfrm>
-          <a:off x="0" y="0"/>
-          <a:ext cx="0" cy="0"/>
-          <a:chOff x="0" y="0"/>
-          <a:chExt cx="0" cy="0"/>
-        </a:xfrm>
-      </p:grpSpPr>
-      <p:sp>
-        <p:nvSpPr>
-          <p:cNvPr id="2" name="Slide Image Placeholder 1">
-            <a:extLst>
-              <a:ext uri="{FF2B5EF4-FFF2-40B4-BE49-F238E27FC236}">
-                <a16:creationId xmlns:a16="http://schemas.microsoft.com/office/drawing/2014/main" id="{B18A1202-CA4A-D870-5054-B0A9BBCDF3CA}"/>
-              </a:ext>
-            </a:extLst>
-          </p:cNvPr>
-          <p:cNvSpPr>
-            <a:spLocks noGrp="1" noRot="1" noChangeAspect="1"/>
-          </p:cNvSpPr>
-          <p:nvPr>
-            <p:ph type="sldImg"/>
-          </p:nvPr>
-        </p:nvSpPr>
-        <p:spPr/>
-      </p:sp>
-      <p:sp>
-        <p:nvSpPr>
-          <p:cNvPr id="3" name="Notes Placeholder 2">
-            <a:extLst>
-              <a:ext uri="{FF2B5EF4-FFF2-40B4-BE49-F238E27FC236}">
-                <a16:creationId xmlns:a16="http://schemas.microsoft.com/office/drawing/2014/main" id="{867577EE-2297-34F7-E3D4-828120B04AC6}"/>
-              </a:ext>
-            </a:extLst>
-          </p:cNvPr>
-          <p:cNvSpPr>
-            <a:spLocks noGrp="1"/>
-          </p:cNvSpPr>
-          <p:nvPr>
-            <p:ph type="body" idx="1"/>
-          </p:nvPr>
-        </p:nvSpPr>
-        <p:spPr/>
-        <p:txBody>
-          <a:bodyPr/>
-          <a:lstStyle/>
-          <a:p>
-            <a:endParaRPr lang="hr-HR" dirty="0"/>
-          </a:p>
-        </p:txBody>
-      </p:sp>
-      <p:sp>
-        <p:nvSpPr>
-          <p:cNvPr id="4" name="Slide Number Placeholder 3">
-            <a:extLst>
-              <a:ext uri="{FF2B5EF4-FFF2-40B4-BE49-F238E27FC236}">
-                <a16:creationId xmlns:a16="http://schemas.microsoft.com/office/drawing/2014/main" id="{844DB580-6BC7-194B-DBFF-B847639D4709}"/>
-              </a:ext>
-            </a:extLst>
-          </p:cNvPr>
-          <p:cNvSpPr>
-            <a:spLocks noGrp="1"/>
-          </p:cNvSpPr>
-          <p:nvPr>
-            <p:ph type="sldNum" sz="quarter" idx="5"/>
-          </p:nvPr>
-        </p:nvSpPr>
-        <p:spPr/>
-        <p:txBody>
-          <a:bodyPr/>
-          <a:lstStyle/>
-          <a:p>
-            <a:fld id="{343B951A-A665-1949-AEDB-B62DC9BE7F13}" type="slidenum">
-              <a:rPr lang="en-US" smtClean="0"/>
-              <a:t>7</a:t>
-            </a:fld>
-            <a:endParaRPr lang="en-US"/>
-          </a:p>
-        </p:txBody>
-      </p:sp>
-    </p:spTree>
-    <p:extLst>
-      <p:ext uri="{BB962C8B-B14F-4D97-AF65-F5344CB8AC3E}">
-        <p14:creationId xmlns:p14="http://schemas.microsoft.com/office/powerpoint/2010/main" val="4039577015"/>
-      </p:ext>
-    </p:extLst>
-  </p:cSld>
-  <p:clrMapOvr>
-    <a:masterClrMapping/>
-  </p:clrMapOvr>
-</p:notes>
-</file>
-
-<file path=ppt/notesSlides/notesSlide7.xml><?xml version="1.0" encoding="utf-8"?>
-<p:notes xmlns:a="http://schemas.openxmlformats.org/drawingml/2006/main" xmlns:r="http://schemas.openxmlformats.org/officeDocument/2006/relationships" xmlns:p="http://schemas.openxmlformats.org/presentationml/2006/main">
-  <p:cSld>
-    <p:spTree>
-      <p:nvGrpSpPr>
-        <p:cNvPr id="1" name="">
-          <a:extLst>
-            <a:ext uri="{FF2B5EF4-FFF2-40B4-BE49-F238E27FC236}">
               <a16:creationId xmlns:a16="http://schemas.microsoft.com/office/drawing/2014/main" id="{F59F56EF-C897-5A5B-C349-ECF7FBE7436B}"/>
             </a:ext>
           </a:extLst>
@@ -2848,7 +2630,7 @@
           <a:p>
             <a:fld id="{343B951A-A665-1949-AEDB-B62DC9BE7F13}" type="slidenum">
               <a:rPr lang="en-US" smtClean="0"/>
-              <a:t>8</a:t>
+              <a:t>7</a:t>
             </a:fld>
             <a:endParaRPr lang="en-US"/>
           </a:p>
@@ -2867,7 +2649,7 @@
 </p:notes>
 </file>
 
-<file path=ppt/notesSlides/notesSlide8.xml><?xml version="1.0" encoding="utf-8"?>
+<file path=ppt/notesSlides/notesSlide7.xml><?xml version="1.0" encoding="utf-8"?>
 <p:notes xmlns:a="http://schemas.openxmlformats.org/drawingml/2006/main" xmlns:r="http://schemas.openxmlformats.org/officeDocument/2006/relationships" xmlns:p="http://schemas.openxmlformats.org/presentationml/2006/main">
   <p:cSld>
     <p:spTree>
@@ -2956,7 +2738,7 @@
           <a:p>
             <a:fld id="{343B951A-A665-1949-AEDB-B62DC9BE7F13}" type="slidenum">
               <a:rPr lang="en-US" smtClean="0"/>
-              <a:t>9</a:t>
+              <a:t>8</a:t>
             </a:fld>
             <a:endParaRPr lang="en-US"/>
           </a:p>
@@ -2975,7 +2757,7 @@
 </p:notes>
 </file>
 
-<file path=ppt/notesSlides/notesSlide9.xml><?xml version="1.0" encoding="utf-8"?>
+<file path=ppt/notesSlides/notesSlide8.xml><?xml version="1.0" encoding="utf-8"?>
 <p:notes xmlns:a="http://schemas.openxmlformats.org/drawingml/2006/main" xmlns:r="http://schemas.openxmlformats.org/officeDocument/2006/relationships" xmlns:p="http://schemas.openxmlformats.org/presentationml/2006/main">
   <p:cSld>
     <p:spTree>
@@ -3064,7 +2846,7 @@
           <a:p>
             <a:fld id="{343B951A-A665-1949-AEDB-B62DC9BE7F13}" type="slidenum">
               <a:rPr lang="en-US" smtClean="0"/>
-              <a:t>10</a:t>
+              <a:t>9</a:t>
             </a:fld>
             <a:endParaRPr lang="en-US"/>
           </a:p>
@@ -3074,6 +2856,114 @@
     <p:extLst>
       <p:ext uri="{BB962C8B-B14F-4D97-AF65-F5344CB8AC3E}">
         <p14:creationId xmlns:p14="http://schemas.microsoft.com/office/powerpoint/2010/main" val="1534257899"/>
+      </p:ext>
+    </p:extLst>
+  </p:cSld>
+  <p:clrMapOvr>
+    <a:masterClrMapping/>
+  </p:clrMapOvr>
+</p:notes>
+</file>
+
+<file path=ppt/notesSlides/notesSlide9.xml><?xml version="1.0" encoding="utf-8"?>
+<p:notes xmlns:a="http://schemas.openxmlformats.org/drawingml/2006/main" xmlns:r="http://schemas.openxmlformats.org/officeDocument/2006/relationships" xmlns:p="http://schemas.openxmlformats.org/presentationml/2006/main">
+  <p:cSld>
+    <p:spTree>
+      <p:nvGrpSpPr>
+        <p:cNvPr id="1" name="">
+          <a:extLst>
+            <a:ext uri="{FF2B5EF4-FFF2-40B4-BE49-F238E27FC236}">
+              <a16:creationId xmlns:a16="http://schemas.microsoft.com/office/drawing/2014/main" id="{D378333D-7777-E80F-9FAB-66E3FEB38FD4}"/>
+            </a:ext>
+          </a:extLst>
+        </p:cNvPr>
+        <p:cNvGrpSpPr/>
+        <p:nvPr/>
+      </p:nvGrpSpPr>
+      <p:grpSpPr>
+        <a:xfrm>
+          <a:off x="0" y="0"/>
+          <a:ext cx="0" cy="0"/>
+          <a:chOff x="0" y="0"/>
+          <a:chExt cx="0" cy="0"/>
+        </a:xfrm>
+      </p:grpSpPr>
+      <p:sp>
+        <p:nvSpPr>
+          <p:cNvPr id="2" name="Slide Image Placeholder 1">
+            <a:extLst>
+              <a:ext uri="{FF2B5EF4-FFF2-40B4-BE49-F238E27FC236}">
+                <a16:creationId xmlns:a16="http://schemas.microsoft.com/office/drawing/2014/main" id="{AC1A0DD3-3C7E-0B23-9A99-F7FB18A2A392}"/>
+              </a:ext>
+            </a:extLst>
+          </p:cNvPr>
+          <p:cNvSpPr>
+            <a:spLocks noGrp="1" noRot="1" noChangeAspect="1"/>
+          </p:cNvSpPr>
+          <p:nvPr>
+            <p:ph type="sldImg"/>
+          </p:nvPr>
+        </p:nvSpPr>
+        <p:spPr/>
+      </p:sp>
+      <p:sp>
+        <p:nvSpPr>
+          <p:cNvPr id="3" name="Notes Placeholder 2">
+            <a:extLst>
+              <a:ext uri="{FF2B5EF4-FFF2-40B4-BE49-F238E27FC236}">
+                <a16:creationId xmlns:a16="http://schemas.microsoft.com/office/drawing/2014/main" id="{A34275F2-0326-A8EE-A107-CFE03E41C20B}"/>
+              </a:ext>
+            </a:extLst>
+          </p:cNvPr>
+          <p:cNvSpPr>
+            <a:spLocks noGrp="1"/>
+          </p:cNvSpPr>
+          <p:nvPr>
+            <p:ph type="body" idx="1"/>
+          </p:nvPr>
+        </p:nvSpPr>
+        <p:spPr/>
+        <p:txBody>
+          <a:bodyPr/>
+          <a:lstStyle/>
+          <a:p>
+            <a:endParaRPr lang="hr-HR" dirty="0"/>
+          </a:p>
+        </p:txBody>
+      </p:sp>
+      <p:sp>
+        <p:nvSpPr>
+          <p:cNvPr id="4" name="Slide Number Placeholder 3">
+            <a:extLst>
+              <a:ext uri="{FF2B5EF4-FFF2-40B4-BE49-F238E27FC236}">
+                <a16:creationId xmlns:a16="http://schemas.microsoft.com/office/drawing/2014/main" id="{B126F7F4-53EB-C18B-A308-2FC593C719AA}"/>
+              </a:ext>
+            </a:extLst>
+          </p:cNvPr>
+          <p:cNvSpPr>
+            <a:spLocks noGrp="1"/>
+          </p:cNvSpPr>
+          <p:nvPr>
+            <p:ph type="sldNum" sz="quarter" idx="5"/>
+          </p:nvPr>
+        </p:nvSpPr>
+        <p:spPr/>
+        <p:txBody>
+          <a:bodyPr/>
+          <a:lstStyle/>
+          <a:p>
+            <a:fld id="{343B951A-A665-1949-AEDB-B62DC9BE7F13}" type="slidenum">
+              <a:rPr lang="en-US" smtClean="0"/>
+              <a:t>10</a:t>
+            </a:fld>
+            <a:endParaRPr lang="en-US"/>
+          </a:p>
+        </p:txBody>
+      </p:sp>
+    </p:spTree>
+    <p:extLst>
+      <p:ext uri="{BB962C8B-B14F-4D97-AF65-F5344CB8AC3E}">
+        <p14:creationId xmlns:p14="http://schemas.microsoft.com/office/powerpoint/2010/main" val="3317124206"/>
       </p:ext>
     </p:extLst>
   </p:cSld>
@@ -3775,7 +3665,7 @@
                 <a:ea typeface="Open Sans" panose="020B0606030504020204" pitchFamily="34" charset="0"/>
                 <a:cs typeface="Open Sans" panose="020B0606030504020204" pitchFamily="34" charset="0"/>
               </a:rPr>
-              <a:t>01/06/2025</a:t>
+              <a:t>02/06/2025</a:t>
             </a:fld>
             <a:endParaRPr lang="en-GB" sz="1800" b="0" i="0" kern="1200" dirty="0">
               <a:solidFill>
@@ -4520,7 +4410,7 @@
                 <a:ea typeface="Open Sans" panose="020B0606030504020204" pitchFamily="34" charset="0"/>
                 <a:cs typeface="Open Sans" panose="020B0606030504020204" pitchFamily="34" charset="0"/>
               </a:rPr>
-              <a:t>01/06/2025</a:t>
+              <a:t>02/06/2025</a:t>
             </a:fld>
             <a:endParaRPr lang="en-GB" sz="1800" b="0" i="0" kern="1200" dirty="0">
               <a:solidFill>
@@ -5043,7 +4933,7 @@
                 <a:ea typeface="Open Sans" panose="020B0606030504020204" pitchFamily="34" charset="0"/>
                 <a:cs typeface="Open Sans" panose="020B0606030504020204" pitchFamily="34" charset="0"/>
               </a:rPr>
-              <a:t>01/06/2025</a:t>
+              <a:t>02/06/2025</a:t>
             </a:fld>
             <a:endParaRPr lang="en-GB" sz="1800" b="0" i="0" kern="1200" dirty="0">
               <a:solidFill>
@@ -6009,7 +5899,7 @@
                 <a:ea typeface="Open Sans" panose="020B0606030504020204" pitchFamily="34" charset="0"/>
                 <a:cs typeface="Open Sans" panose="020B0606030504020204" pitchFamily="34" charset="0"/>
               </a:rPr>
-              <a:t>01/06/2025</a:t>
+              <a:t>02/06/2025</a:t>
             </a:fld>
             <a:endParaRPr lang="en-GB" sz="1800" b="0" i="0" kern="1200" dirty="0">
               <a:solidFill>
@@ -6448,7 +6338,7 @@
                 <a:ea typeface="Open Sans" panose="020B0606030504020204" pitchFamily="34" charset="0"/>
                 <a:cs typeface="Open Sans" panose="020B0606030504020204" pitchFamily="34" charset="0"/>
               </a:rPr>
-              <a:t>01/06/2025</a:t>
+              <a:t>02/06/2025</a:t>
             </a:fld>
             <a:endParaRPr lang="en-GB" sz="1800" b="0" i="0" kern="1200" dirty="0">
               <a:solidFill>
@@ -8218,7 +8108,7 @@
                 <a:ea typeface="Open Sans" pitchFamily="2" charset="0"/>
                 <a:cs typeface="Open Sans" pitchFamily="2" charset="0"/>
               </a:rPr>
-              <a:t>01/06/2025</a:t>
+              <a:t>02/06/2025</a:t>
             </a:fld>
             <a:endParaRPr lang="en-GB" sz="1800" b="0" i="0" kern="1200" dirty="0">
               <a:solidFill>
@@ -9968,7 +9858,7 @@
                 <a:ea typeface="Open Sans" pitchFamily="2" charset="0"/>
                 <a:cs typeface="Open Sans" pitchFamily="2" charset="0"/>
               </a:rPr>
-              <a:t>01/06/2025</a:t>
+              <a:t>02/06/2025</a:t>
             </a:fld>
             <a:endParaRPr lang="en-GB" sz="1800" b="0" i="0" kern="1200" dirty="0">
               <a:solidFill>
@@ -10485,7 +10375,7 @@
                 <a:ea typeface="Open Sans" panose="020B0606030504020204" pitchFamily="34" charset="0"/>
                 <a:cs typeface="Open Sans" panose="020B0606030504020204" pitchFamily="34" charset="0"/>
               </a:rPr>
-              <a:t>01/06/2025</a:t>
+              <a:t>02/06/2025</a:t>
             </a:fld>
             <a:endParaRPr lang="en-GB" sz="1800" b="0" i="0" kern="1200" dirty="0">
               <a:solidFill>
@@ -11082,7 +10972,7 @@
                 <a:ea typeface="Open Sans" pitchFamily="2" charset="0"/>
                 <a:cs typeface="Open Sans" pitchFamily="2" charset="0"/>
               </a:rPr>
-              <a:t>01/06/2025</a:t>
+              <a:t>02/06/2025</a:t>
             </a:fld>
             <a:endParaRPr lang="en-GB" sz="1800" b="0" i="0" kern="1200" dirty="0">
               <a:solidFill>
@@ -11622,7 +11512,7 @@
                 <a:ea typeface="Open Sans" panose="020B0606030504020204" pitchFamily="34" charset="0"/>
                 <a:cs typeface="Open Sans" panose="020B0606030504020204" pitchFamily="34" charset="0"/>
               </a:rPr>
-              <a:t>01/06/2025</a:t>
+              <a:t>02/06/2025</a:t>
             </a:fld>
             <a:endParaRPr lang="en-GB" sz="1800" b="0" i="0" kern="1200" dirty="0">
               <a:solidFill>
@@ -12323,7 +12213,7 @@
                 <a:ea typeface="Open Sans" panose="020B0606030504020204" pitchFamily="34" charset="0"/>
                 <a:cs typeface="Open Sans" panose="020B0606030504020204" pitchFamily="34" charset="0"/>
               </a:rPr>
-              <a:t>01/06/2025</a:t>
+              <a:t>02/06/2025</a:t>
             </a:fld>
             <a:endParaRPr lang="en-GB" sz="1800" b="0" i="0" kern="1200" dirty="0">
               <a:solidFill>
@@ -12686,7 +12576,7 @@
                 <a:ea typeface="Open Sans" pitchFamily="2" charset="0"/>
                 <a:cs typeface="Open Sans" pitchFamily="2" charset="0"/>
               </a:rPr>
-              <a:t>01/06/2025</a:t>
+              <a:t>02/06/2025</a:t>
             </a:fld>
             <a:endParaRPr lang="en-GB" sz="1800" b="0" i="0" kern="1200" dirty="0">
               <a:solidFill>
@@ -13081,7 +12971,7 @@
                 <a:ea typeface="Open Sans" pitchFamily="2" charset="0"/>
                 <a:cs typeface="Open Sans" pitchFamily="2" charset="0"/>
               </a:rPr>
-              <a:t>01/06/2025</a:t>
+              <a:t>02/06/2025</a:t>
             </a:fld>
             <a:endParaRPr lang="en-GB" sz="1800" b="0" i="0" kern="1200" dirty="0">
               <a:solidFill>
@@ -13756,265 +13646,6 @@
         <p:cNvPr id="1" name="">
           <a:extLst>
             <a:ext uri="{FF2B5EF4-FFF2-40B4-BE49-F238E27FC236}">
-              <a16:creationId xmlns:a16="http://schemas.microsoft.com/office/drawing/2014/main" id="{6425F4DB-98BD-64BB-9EC5-791FFD28A659}"/>
-            </a:ext>
-          </a:extLst>
-        </p:cNvPr>
-        <p:cNvGrpSpPr/>
-        <p:nvPr/>
-      </p:nvGrpSpPr>
-      <p:grpSpPr>
-        <a:xfrm>
-          <a:off x="0" y="0"/>
-          <a:ext cx="0" cy="0"/>
-          <a:chOff x="0" y="0"/>
-          <a:chExt cx="0" cy="0"/>
-        </a:xfrm>
-      </p:grpSpPr>
-      <p:sp>
-        <p:nvSpPr>
-          <p:cNvPr id="4" name="Title 1">
-            <a:extLst>
-              <a:ext uri="{FF2B5EF4-FFF2-40B4-BE49-F238E27FC236}">
-                <a16:creationId xmlns:a16="http://schemas.microsoft.com/office/drawing/2014/main" id="{B6B89A94-F45C-A7F4-2B3B-52CB41E5E4B7}"/>
-              </a:ext>
-            </a:extLst>
-          </p:cNvPr>
-          <p:cNvSpPr txBox="1">
-            <a:spLocks/>
-          </p:cNvSpPr>
-          <p:nvPr/>
-        </p:nvSpPr>
-        <p:spPr>
-          <a:xfrm>
-            <a:off x="990600" y="383056"/>
-            <a:ext cx="10515600" cy="853976"/>
-          </a:xfrm>
-          <a:prstGeom prst="rect">
-            <a:avLst/>
-          </a:prstGeom>
-        </p:spPr>
-        <p:txBody>
-          <a:bodyPr vert="horz" lIns="91440" tIns="45720" rIns="91440" bIns="45720" rtlCol="0" anchor="ctr">
-            <a:normAutofit/>
-          </a:bodyPr>
-          <a:lstStyle>
-            <a:lvl1pPr algn="l" defTabSz="914400" rtl="0" eaLnBrk="1" latinLnBrk="0" hangingPunct="1">
-              <a:lnSpc>
-                <a:spcPct val="90000"/>
-              </a:lnSpc>
-              <a:spcBef>
-                <a:spcPct val="0"/>
-              </a:spcBef>
-              <a:buNone/>
-              <a:defRPr sz="3600" b="1" i="0" kern="1200" cap="all" baseline="0">
-                <a:solidFill>
-                  <a:schemeClr val="tx2"/>
-                </a:solidFill>
-                <a:latin typeface="+mj-lt"/>
-                <a:ea typeface="Open Sans Semibold" panose="020B0606030504020204" pitchFamily="34" charset="0"/>
-                <a:cs typeface="Open Sans Semibold" panose="020B0606030504020204" pitchFamily="34" charset="0"/>
-              </a:defRPr>
-            </a:lvl1pPr>
-          </a:lstStyle>
-          <a:p>
-            <a:r>
-              <a:rPr lang="en-US" dirty="0"/>
-              <a:t>API - METODE</a:t>
-            </a:r>
-            <a:endParaRPr lang="hr-HR" dirty="0"/>
-          </a:p>
-        </p:txBody>
-      </p:sp>
-      <p:sp>
-        <p:nvSpPr>
-          <p:cNvPr id="7" name="TextBox 6">
-            <a:extLst>
-              <a:ext uri="{FF2B5EF4-FFF2-40B4-BE49-F238E27FC236}">
-                <a16:creationId xmlns:a16="http://schemas.microsoft.com/office/drawing/2014/main" id="{BDE20227-44AA-69C8-3D84-8918D8635E66}"/>
-              </a:ext>
-            </a:extLst>
-          </p:cNvPr>
-          <p:cNvSpPr txBox="1"/>
-          <p:nvPr/>
-        </p:nvSpPr>
-        <p:spPr>
-          <a:xfrm>
-            <a:off x="990600" y="1237032"/>
-            <a:ext cx="11598323" cy="1754326"/>
-          </a:xfrm>
-          <a:prstGeom prst="rect">
-            <a:avLst/>
-          </a:prstGeom>
-          <a:noFill/>
-        </p:spPr>
-        <p:txBody>
-          <a:bodyPr wrap="square">
-            <a:spAutoFit/>
-          </a:bodyPr>
-          <a:lstStyle/>
-          <a:p>
-            <a:r>
-              <a:rPr lang="hr-HR" b="1" dirty="0"/>
-              <a:t>✅ PUT</a:t>
-            </a:r>
-          </a:p>
-          <a:p>
-            <a:r>
-              <a:rPr lang="hr-HR" b="1" dirty="0"/>
-              <a:t>Svrha:</a:t>
-            </a:r>
-            <a:r>
-              <a:rPr lang="hr-HR" dirty="0"/>
-              <a:t> Zamjena cijelog resursa.</a:t>
-            </a:r>
-          </a:p>
-          <a:p>
-            <a:r>
-              <a:rPr lang="hr-HR" b="1" dirty="0"/>
-              <a:t>Primjer:</a:t>
-            </a:r>
-            <a:r>
-              <a:rPr lang="hr-HR" dirty="0"/>
-              <a:t> Ažuriranje cijelog korisničkog profila.</a:t>
-            </a:r>
-          </a:p>
-          <a:p>
-            <a:r>
-              <a:rPr lang="hr-HR" b="1" dirty="0"/>
-              <a:t>Značajke:</a:t>
-            </a:r>
-            <a:endParaRPr lang="hr-HR" dirty="0"/>
-          </a:p>
-          <a:p>
-            <a:pPr lvl="1"/>
-            <a:r>
-              <a:rPr lang="hr-HR" dirty="0"/>
-              <a:t>Moraš poslati </a:t>
-            </a:r>
-            <a:r>
-              <a:rPr lang="hr-HR" b="1" dirty="0"/>
-              <a:t>cijeli objekt</a:t>
-            </a:r>
-            <a:r>
-              <a:rPr lang="hr-HR" dirty="0"/>
-              <a:t>, čak i ako mijenjaš samo jedno polje.</a:t>
-            </a:r>
-          </a:p>
-          <a:p>
-            <a:pPr lvl="1"/>
-            <a:r>
-              <a:rPr lang="hr-HR" dirty="0"/>
-              <a:t>Ako resurs ne postoji, može ga </a:t>
-            </a:r>
-            <a:r>
-              <a:rPr lang="hr-HR" b="1" dirty="0"/>
-              <a:t>kreirati</a:t>
-            </a:r>
-            <a:r>
-              <a:rPr lang="hr-HR" dirty="0"/>
-              <a:t> (ovisno o API implementaciji).</a:t>
-            </a:r>
-          </a:p>
-        </p:txBody>
-      </p:sp>
-      <p:sp>
-        <p:nvSpPr>
-          <p:cNvPr id="2" name="TextBox 1">
-            <a:extLst>
-              <a:ext uri="{FF2B5EF4-FFF2-40B4-BE49-F238E27FC236}">
-                <a16:creationId xmlns:a16="http://schemas.microsoft.com/office/drawing/2014/main" id="{268AD779-7503-3749-31E1-1FE0411866AE}"/>
-              </a:ext>
-            </a:extLst>
-          </p:cNvPr>
-          <p:cNvSpPr txBox="1"/>
-          <p:nvPr/>
-        </p:nvSpPr>
-        <p:spPr>
-          <a:xfrm>
-            <a:off x="967853" y="3613665"/>
-            <a:ext cx="9595514" cy="1754326"/>
-          </a:xfrm>
-          <a:prstGeom prst="rect">
-            <a:avLst/>
-          </a:prstGeom>
-          <a:noFill/>
-        </p:spPr>
-        <p:txBody>
-          <a:bodyPr wrap="square">
-            <a:spAutoFit/>
-          </a:bodyPr>
-          <a:lstStyle/>
-          <a:p>
-            <a:r>
-              <a:rPr lang="hr-HR" b="1" dirty="0"/>
-              <a:t>✅ DELETE</a:t>
-            </a:r>
-          </a:p>
-          <a:p>
-            <a:r>
-              <a:rPr lang="hr-HR" b="1" dirty="0"/>
-              <a:t>Svrha:</a:t>
-            </a:r>
-            <a:r>
-              <a:rPr lang="hr-HR" dirty="0"/>
-              <a:t> Brisanje resursa s poslužitelja.</a:t>
-            </a:r>
-          </a:p>
-          <a:p>
-            <a:r>
-              <a:rPr lang="hr-HR" b="1" dirty="0"/>
-              <a:t>Primjer:</a:t>
-            </a:r>
-            <a:r>
-              <a:rPr lang="hr-HR" dirty="0"/>
-              <a:t> Brisanje korisničkog računa.</a:t>
-            </a:r>
-          </a:p>
-          <a:p>
-            <a:r>
-              <a:rPr lang="hr-HR" b="1" dirty="0"/>
-              <a:t>Značajke:</a:t>
-            </a:r>
-            <a:endParaRPr lang="hr-HR" dirty="0"/>
-          </a:p>
-          <a:p>
-            <a:pPr lvl="1"/>
-            <a:r>
-              <a:rPr lang="hr-HR" dirty="0"/>
-              <a:t>Nema tijelo zahtjeva, samo URL (npr. s ID-em resursa).</a:t>
-            </a:r>
-          </a:p>
-          <a:p>
-            <a:pPr lvl="1"/>
-            <a:r>
-              <a:rPr lang="hr-HR" dirty="0"/>
-              <a:t>Moraš paziti da se ne pokrene greškom – obrisano = gotovo.</a:t>
-            </a:r>
-          </a:p>
-        </p:txBody>
-      </p:sp>
-    </p:spTree>
-    <p:extLst>
-      <p:ext uri="{BB962C8B-B14F-4D97-AF65-F5344CB8AC3E}">
-        <p14:creationId xmlns:p14="http://schemas.microsoft.com/office/powerpoint/2010/main" val="2037132727"/>
-      </p:ext>
-    </p:extLst>
-  </p:cSld>
-  <p:clrMapOvr>
-    <a:masterClrMapping/>
-  </p:clrMapOvr>
-</p:sld>
-</file>
-
-<file path=ppt/slides/slide11.xml><?xml version="1.0" encoding="utf-8"?>
-<p:sld xmlns:a="http://schemas.openxmlformats.org/drawingml/2006/main" xmlns:r="http://schemas.openxmlformats.org/officeDocument/2006/relationships" xmlns:p="http://schemas.openxmlformats.org/presentationml/2006/main">
-  <p:cSld>
-    <p:spTree>
-      <p:nvGrpSpPr>
-        <p:cNvPr id="1" name="">
-          <a:extLst>
-            <a:ext uri="{FF2B5EF4-FFF2-40B4-BE49-F238E27FC236}">
               <a16:creationId xmlns:a16="http://schemas.microsoft.com/office/drawing/2014/main" id="{1A416C67-A961-F7E9-3CDA-9C72144ECA9A}"/>
             </a:ext>
           </a:extLst>
@@ -14128,7 +13759,7 @@
 </p:sld>
 </file>
 
-<file path=ppt/slides/slide12.xml><?xml version="1.0" encoding="utf-8"?>
+<file path=ppt/slides/slide11.xml><?xml version="1.0" encoding="utf-8"?>
 <p:sld xmlns:a="http://schemas.openxmlformats.org/drawingml/2006/main" xmlns:r="http://schemas.openxmlformats.org/officeDocument/2006/relationships" xmlns:p="http://schemas.openxmlformats.org/presentationml/2006/main">
   <p:cSld>
     <p:spTree>
@@ -14462,7 +14093,7 @@
 </p:sld>
 </file>
 
-<file path=ppt/slides/slide13.xml><?xml version="1.0" encoding="utf-8"?>
+<file path=ppt/slides/slide12.xml><?xml version="1.0" encoding="utf-8"?>
 <p:sld xmlns:a="http://schemas.openxmlformats.org/drawingml/2006/main" xmlns:r="http://schemas.openxmlformats.org/officeDocument/2006/relationships" xmlns:p="http://schemas.openxmlformats.org/presentationml/2006/main">
   <p:cSld>
     <p:spTree>
@@ -14699,7 +14330,7 @@
 </p:sld>
 </file>
 
-<file path=ppt/slides/slide14.xml><?xml version="1.0" encoding="utf-8"?>
+<file path=ppt/slides/slide13.xml><?xml version="1.0" encoding="utf-8"?>
 <p:sld xmlns:a="http://schemas.openxmlformats.org/drawingml/2006/main" xmlns:r="http://schemas.openxmlformats.org/officeDocument/2006/relationships" xmlns:p="http://schemas.openxmlformats.org/presentationml/2006/main">
   <p:cSld>
     <p:spTree>
@@ -14927,7 +14558,7 @@
 </p:sld>
 </file>
 
-<file path=ppt/slides/slide15.xml><?xml version="1.0" encoding="utf-8"?>
+<file path=ppt/slides/slide14.xml><?xml version="1.0" encoding="utf-8"?>
 <p:sld xmlns:a="http://schemas.openxmlformats.org/drawingml/2006/main" xmlns:r="http://schemas.openxmlformats.org/officeDocument/2006/relationships" xmlns:p="http://schemas.openxmlformats.org/presentationml/2006/main">
   <p:cSld>
     <p:spTree>
@@ -15074,7 +14705,7 @@
 </p:sld>
 </file>
 
-<file path=ppt/slides/slide16.xml><?xml version="1.0" encoding="utf-8"?>
+<file path=ppt/slides/slide15.xml><?xml version="1.0" encoding="utf-8"?>
 <p:sld xmlns:a="http://schemas.openxmlformats.org/drawingml/2006/main" xmlns:r="http://schemas.openxmlformats.org/officeDocument/2006/relationships" xmlns:p="http://schemas.openxmlformats.org/presentationml/2006/main">
   <p:cSld>
     <p:spTree>
@@ -15260,7 +14891,7 @@
 </p:sld>
 </file>
 
-<file path=ppt/slides/slide17.xml><?xml version="1.0" encoding="utf-8"?>
+<file path=ppt/slides/slide16.xml><?xml version="1.0" encoding="utf-8"?>
 <p:sld xmlns:a="http://schemas.openxmlformats.org/drawingml/2006/main" xmlns:r="http://schemas.openxmlformats.org/officeDocument/2006/relationships" xmlns:p="http://schemas.openxmlformats.org/presentationml/2006/main">
   <p:cSld>
     <p:spTree>
@@ -15436,7 +15067,7 @@
 </p:sld>
 </file>
 
-<file path=ppt/slides/slide18.xml><?xml version="1.0" encoding="utf-8"?>
+<file path=ppt/slides/slide17.xml><?xml version="1.0" encoding="utf-8"?>
 <p:sld xmlns:a="http://schemas.openxmlformats.org/drawingml/2006/main" xmlns:r="http://schemas.openxmlformats.org/officeDocument/2006/relationships" xmlns:p="http://schemas.openxmlformats.org/presentationml/2006/main">
   <p:cSld>
     <p:spTree>
@@ -15627,7 +15258,7 @@
 </p:sld>
 </file>
 
-<file path=ppt/slides/slide19.xml><?xml version="1.0" encoding="utf-8"?>
+<file path=ppt/slides/slide18.xml><?xml version="1.0" encoding="utf-8"?>
 <p:sld xmlns:a="http://schemas.openxmlformats.org/drawingml/2006/main" xmlns:r="http://schemas.openxmlformats.org/officeDocument/2006/relationships" xmlns:p="http://schemas.openxmlformats.org/presentationml/2006/main">
   <p:cSld>
     <p:spTree>
@@ -15790,6 +15421,388 @@
     <p:extLst>
       <p:ext uri="{BB962C8B-B14F-4D97-AF65-F5344CB8AC3E}">
         <p14:creationId xmlns:p14="http://schemas.microsoft.com/office/powerpoint/2010/main" val="1770219031"/>
+      </p:ext>
+    </p:extLst>
+  </p:cSld>
+  <p:clrMapOvr>
+    <a:masterClrMapping/>
+  </p:clrMapOvr>
+</p:sld>
+</file>
+
+<file path=ppt/slides/slide19.xml><?xml version="1.0" encoding="utf-8"?>
+<p:sld xmlns:a="http://schemas.openxmlformats.org/drawingml/2006/main" xmlns:r="http://schemas.openxmlformats.org/officeDocument/2006/relationships" xmlns:p="http://schemas.openxmlformats.org/presentationml/2006/main">
+  <p:cSld>
+    <p:spTree>
+      <p:nvGrpSpPr>
+        <p:cNvPr id="1" name="">
+          <a:extLst>
+            <a:ext uri="{FF2B5EF4-FFF2-40B4-BE49-F238E27FC236}">
+              <a16:creationId xmlns:a16="http://schemas.microsoft.com/office/drawing/2014/main" id="{1FBAF96A-70E2-9D92-F4DC-955387E64CD5}"/>
+            </a:ext>
+          </a:extLst>
+        </p:cNvPr>
+        <p:cNvGrpSpPr/>
+        <p:nvPr/>
+      </p:nvGrpSpPr>
+      <p:grpSpPr>
+        <a:xfrm>
+          <a:off x="0" y="0"/>
+          <a:ext cx="0" cy="0"/>
+          <a:chOff x="0" y="0"/>
+          <a:chExt cx="0" cy="0"/>
+        </a:xfrm>
+      </p:grpSpPr>
+      <p:sp>
+        <p:nvSpPr>
+          <p:cNvPr id="4" name="Title 1">
+            <a:extLst>
+              <a:ext uri="{FF2B5EF4-FFF2-40B4-BE49-F238E27FC236}">
+                <a16:creationId xmlns:a16="http://schemas.microsoft.com/office/drawing/2014/main" id="{3457144A-5612-B44B-D2D1-16675A5EE9D2}"/>
+              </a:ext>
+            </a:extLst>
+          </p:cNvPr>
+          <p:cNvSpPr txBox="1">
+            <a:spLocks/>
+          </p:cNvSpPr>
+          <p:nvPr/>
+        </p:nvSpPr>
+        <p:spPr>
+          <a:xfrm>
+            <a:off x="990600" y="383056"/>
+            <a:ext cx="10515600" cy="853976"/>
+          </a:xfrm>
+          <a:prstGeom prst="rect">
+            <a:avLst/>
+          </a:prstGeom>
+        </p:spPr>
+        <p:txBody>
+          <a:bodyPr vert="horz" lIns="91440" tIns="45720" rIns="91440" bIns="45720" rtlCol="0" anchor="ctr">
+            <a:normAutofit/>
+          </a:bodyPr>
+          <a:lstStyle>
+            <a:lvl1pPr algn="l" defTabSz="914400" rtl="0" eaLnBrk="1" latinLnBrk="0" hangingPunct="1">
+              <a:lnSpc>
+                <a:spcPct val="90000"/>
+              </a:lnSpc>
+              <a:spcBef>
+                <a:spcPct val="0"/>
+              </a:spcBef>
+              <a:buNone/>
+              <a:defRPr sz="3600" b="1" i="0" kern="1200" cap="all" baseline="0">
+                <a:solidFill>
+                  <a:schemeClr val="tx2"/>
+                </a:solidFill>
+                <a:latin typeface="+mj-lt"/>
+                <a:ea typeface="Open Sans Semibold" panose="020B0606030504020204" pitchFamily="34" charset="0"/>
+                <a:cs typeface="Open Sans Semibold" panose="020B0606030504020204" pitchFamily="34" charset="0"/>
+              </a:defRPr>
+            </a:lvl1pPr>
+          </a:lstStyle>
+          <a:p>
+            <a:r>
+              <a:rPr lang="en-US" dirty="0"/>
+              <a:t>API - AXIOS</a:t>
+            </a:r>
+            <a:endParaRPr lang="hr-HR" dirty="0"/>
+          </a:p>
+        </p:txBody>
+      </p:sp>
+      <p:sp>
+        <p:nvSpPr>
+          <p:cNvPr id="2" name="TextBox 1">
+            <a:extLst>
+              <a:ext uri="{FF2B5EF4-FFF2-40B4-BE49-F238E27FC236}">
+                <a16:creationId xmlns:a16="http://schemas.microsoft.com/office/drawing/2014/main" id="{0A6F6F41-E484-4D16-8CDB-28A5B701917D}"/>
+              </a:ext>
+            </a:extLst>
+          </p:cNvPr>
+          <p:cNvSpPr txBox="1"/>
+          <p:nvPr/>
+        </p:nvSpPr>
+        <p:spPr>
+          <a:xfrm>
+            <a:off x="570614" y="1490007"/>
+            <a:ext cx="11343882" cy="2585323"/>
+          </a:xfrm>
+          <a:prstGeom prst="rect">
+            <a:avLst/>
+          </a:prstGeom>
+          <a:noFill/>
+        </p:spPr>
+        <p:txBody>
+          <a:bodyPr wrap="square">
+            <a:spAutoFit/>
+          </a:bodyPr>
+          <a:lstStyle/>
+          <a:p>
+            <a:r>
+              <a:rPr lang="en-US" dirty="0" err="1"/>
+              <a:t>Najpopularniji</a:t>
+            </a:r>
+            <a:r>
+              <a:rPr lang="en-US" dirty="0"/>
+              <a:t> library </a:t>
+            </a:r>
+            <a:r>
+              <a:rPr lang="hr-HR" dirty="0"/>
+              <a:t>za slanje zahtjeva prema API-ju.</a:t>
+            </a:r>
+            <a:br>
+              <a:rPr lang="en-US" dirty="0"/>
+            </a:br>
+            <a:r>
+              <a:rPr lang="en-US" dirty="0" err="1"/>
+              <a:t>Sve</a:t>
+            </a:r>
+            <a:r>
+              <a:rPr lang="en-US" dirty="0"/>
+              <a:t> </a:t>
+            </a:r>
+            <a:r>
+              <a:rPr lang="en-US" dirty="0" err="1"/>
+              <a:t>metode</a:t>
+            </a:r>
+            <a:r>
+              <a:rPr lang="en-US" dirty="0"/>
+              <a:t> </a:t>
+            </a:r>
+            <a:r>
+              <a:rPr lang="en-US" dirty="0" err="1"/>
+              <a:t>vraćaju</a:t>
+            </a:r>
+            <a:r>
+              <a:rPr lang="en-US" dirty="0"/>
+              <a:t> </a:t>
+            </a:r>
+            <a:r>
+              <a:rPr lang="en-US" b="1" dirty="0"/>
+              <a:t>Promise</a:t>
+            </a:r>
+            <a:r>
+              <a:rPr lang="en-US" dirty="0"/>
+              <a:t>.</a:t>
+            </a:r>
+          </a:p>
+          <a:p>
+            <a:r>
+              <a:rPr lang="en-US" dirty="0" err="1"/>
+              <a:t>Preporučuje</a:t>
+            </a:r>
+            <a:r>
+              <a:rPr lang="en-US" dirty="0"/>
+              <a:t> se </a:t>
+            </a:r>
+            <a:r>
+              <a:rPr lang="en-US" dirty="0" err="1"/>
+              <a:t>korištenje</a:t>
+            </a:r>
+            <a:r>
+              <a:rPr lang="en-US" dirty="0"/>
+              <a:t> </a:t>
+            </a:r>
+            <a:r>
+              <a:rPr lang="en-US" b="1" dirty="0"/>
+              <a:t>async/await</a:t>
+            </a:r>
+            <a:r>
+              <a:rPr lang="en-US" dirty="0"/>
+              <a:t> </a:t>
+            </a:r>
+            <a:r>
+              <a:rPr lang="en-US" dirty="0" err="1"/>
+              <a:t>zbog</a:t>
+            </a:r>
+            <a:r>
+              <a:rPr lang="en-US" dirty="0"/>
+              <a:t> </a:t>
+            </a:r>
+            <a:r>
+              <a:rPr lang="en-US" dirty="0" err="1"/>
+              <a:t>bolje</a:t>
+            </a:r>
+            <a:r>
+              <a:rPr lang="en-US" dirty="0"/>
+              <a:t> </a:t>
+            </a:r>
+            <a:r>
+              <a:rPr lang="en-US" dirty="0" err="1"/>
+              <a:t>čitljivosti</a:t>
+            </a:r>
+            <a:r>
+              <a:rPr lang="en-US" dirty="0"/>
+              <a:t> </a:t>
+            </a:r>
+            <a:r>
+              <a:rPr lang="en-US" dirty="0" err="1"/>
+              <a:t>i</a:t>
+            </a:r>
+            <a:r>
+              <a:rPr lang="en-US" dirty="0"/>
+              <a:t> </a:t>
+            </a:r>
+            <a:r>
+              <a:rPr lang="en-US" dirty="0" err="1"/>
+              <a:t>lakšeg</a:t>
+            </a:r>
+            <a:r>
+              <a:rPr lang="en-US" dirty="0"/>
+              <a:t> </a:t>
+            </a:r>
+            <a:r>
+              <a:rPr lang="en-US" dirty="0" err="1"/>
+              <a:t>upravljanja</a:t>
+            </a:r>
+            <a:r>
+              <a:rPr lang="en-US" dirty="0"/>
+              <a:t> </a:t>
+            </a:r>
+            <a:r>
+              <a:rPr lang="en-US" dirty="0" err="1"/>
+              <a:t>pogreškama</a:t>
+            </a:r>
+            <a:r>
+              <a:rPr lang="en-US" dirty="0"/>
+              <a:t>.</a:t>
+            </a:r>
+          </a:p>
+          <a:p>
+            <a:r>
+              <a:rPr lang="en-US" dirty="0"/>
+              <a:t>POST, PUT </a:t>
+            </a:r>
+            <a:r>
+              <a:rPr lang="en-US" dirty="0" err="1"/>
+              <a:t>i</a:t>
+            </a:r>
+            <a:r>
+              <a:rPr lang="en-US" dirty="0"/>
+              <a:t> PATCH </a:t>
+            </a:r>
+            <a:r>
+              <a:rPr lang="en-US" dirty="0" err="1"/>
+              <a:t>zahtijevaju</a:t>
+            </a:r>
+            <a:r>
+              <a:rPr lang="en-US" dirty="0"/>
+              <a:t> </a:t>
+            </a:r>
+            <a:r>
+              <a:rPr lang="en-US" dirty="0" err="1"/>
+              <a:t>slanje</a:t>
+            </a:r>
+            <a:r>
+              <a:rPr lang="en-US" dirty="0"/>
+              <a:t> </a:t>
+            </a:r>
+            <a:r>
+              <a:rPr lang="en-US" dirty="0" err="1"/>
+              <a:t>podataka</a:t>
+            </a:r>
+            <a:r>
+              <a:rPr lang="en-US" dirty="0"/>
+              <a:t> u body-u.</a:t>
+            </a:r>
+          </a:p>
+          <a:p>
+            <a:endParaRPr lang="en-US" dirty="0"/>
+          </a:p>
+          <a:p>
+            <a:r>
+              <a:rPr lang="en-US" dirty="0" err="1"/>
+              <a:t>Većina</a:t>
+            </a:r>
+            <a:r>
+              <a:rPr lang="en-US" dirty="0"/>
+              <a:t> API-ja </a:t>
+            </a:r>
+            <a:r>
+              <a:rPr lang="en-US" dirty="0" err="1"/>
+              <a:t>traži</a:t>
+            </a:r>
+            <a:r>
+              <a:rPr lang="en-US" dirty="0"/>
+              <a:t> </a:t>
+            </a:r>
+            <a:r>
+              <a:rPr lang="en-US" dirty="0" err="1"/>
+              <a:t>autentifikaciju</a:t>
+            </a:r>
+            <a:r>
+              <a:rPr lang="en-US" dirty="0"/>
+              <a:t> </a:t>
+            </a:r>
+            <a:r>
+              <a:rPr lang="en-US" dirty="0" err="1"/>
+              <a:t>putem</a:t>
+            </a:r>
+            <a:r>
+              <a:rPr lang="en-US" dirty="0"/>
+              <a:t> </a:t>
+            </a:r>
+            <a:r>
+              <a:rPr lang="en-US" dirty="0" err="1"/>
+              <a:t>zaglavlja</a:t>
+            </a:r>
+            <a:r>
+              <a:rPr lang="en-US" dirty="0"/>
+              <a:t> (headers), </a:t>
+            </a:r>
+            <a:r>
+              <a:rPr lang="en-US" dirty="0" err="1"/>
+              <a:t>npr</a:t>
+            </a:r>
+            <a:r>
+              <a:rPr lang="en-US" dirty="0"/>
+              <a:t>.:</a:t>
+            </a:r>
+            <a:br>
+              <a:rPr lang="en-US" dirty="0"/>
+            </a:br>
+            <a:br>
+              <a:rPr lang="en-US" dirty="0"/>
+            </a:br>
+            <a:br>
+              <a:rPr lang="en-US" dirty="0"/>
+            </a:br>
+            <a:endParaRPr lang="hr-HR" dirty="0"/>
+          </a:p>
+        </p:txBody>
+      </p:sp>
+      <p:pic>
+        <p:nvPicPr>
+          <p:cNvPr id="6" name="Picture 5">
+            <a:extLst>
+              <a:ext uri="{FF2B5EF4-FFF2-40B4-BE49-F238E27FC236}">
+                <a16:creationId xmlns:a16="http://schemas.microsoft.com/office/drawing/2014/main" id="{C32075A0-94E9-910A-1841-1E0612E558AB}"/>
+              </a:ext>
+            </a:extLst>
+          </p:cNvPr>
+          <p:cNvPicPr>
+            <a:picLocks noChangeAspect="1"/>
+          </p:cNvPicPr>
+          <p:nvPr/>
+        </p:nvPicPr>
+        <p:blipFill>
+          <a:blip r:embed="rId3"/>
+          <a:stretch>
+            <a:fillRect/>
+          </a:stretch>
+        </p:blipFill>
+        <p:spPr>
+          <a:xfrm>
+            <a:off x="3119509" y="3572389"/>
+            <a:ext cx="5514060" cy="1795604"/>
+          </a:xfrm>
+          <a:prstGeom prst="rect">
+            <a:avLst/>
+          </a:prstGeom>
+        </p:spPr>
+      </p:pic>
+    </p:spTree>
+    <p:extLst>
+      <p:ext uri="{BB962C8B-B14F-4D97-AF65-F5344CB8AC3E}">
+        <p14:creationId xmlns:p14="http://schemas.microsoft.com/office/powerpoint/2010/main" val="809624085"/>
       </p:ext>
     </p:extLst>
   </p:cSld>
@@ -16009,388 +16022,6 @@
         <p:cNvPr id="1" name="">
           <a:extLst>
             <a:ext uri="{FF2B5EF4-FFF2-40B4-BE49-F238E27FC236}">
-              <a16:creationId xmlns:a16="http://schemas.microsoft.com/office/drawing/2014/main" id="{1FBAF96A-70E2-9D92-F4DC-955387E64CD5}"/>
-            </a:ext>
-          </a:extLst>
-        </p:cNvPr>
-        <p:cNvGrpSpPr/>
-        <p:nvPr/>
-      </p:nvGrpSpPr>
-      <p:grpSpPr>
-        <a:xfrm>
-          <a:off x="0" y="0"/>
-          <a:ext cx="0" cy="0"/>
-          <a:chOff x="0" y="0"/>
-          <a:chExt cx="0" cy="0"/>
-        </a:xfrm>
-      </p:grpSpPr>
-      <p:sp>
-        <p:nvSpPr>
-          <p:cNvPr id="4" name="Title 1">
-            <a:extLst>
-              <a:ext uri="{FF2B5EF4-FFF2-40B4-BE49-F238E27FC236}">
-                <a16:creationId xmlns:a16="http://schemas.microsoft.com/office/drawing/2014/main" id="{3457144A-5612-B44B-D2D1-16675A5EE9D2}"/>
-              </a:ext>
-            </a:extLst>
-          </p:cNvPr>
-          <p:cNvSpPr txBox="1">
-            <a:spLocks/>
-          </p:cNvSpPr>
-          <p:nvPr/>
-        </p:nvSpPr>
-        <p:spPr>
-          <a:xfrm>
-            <a:off x="990600" y="383056"/>
-            <a:ext cx="10515600" cy="853976"/>
-          </a:xfrm>
-          <a:prstGeom prst="rect">
-            <a:avLst/>
-          </a:prstGeom>
-        </p:spPr>
-        <p:txBody>
-          <a:bodyPr vert="horz" lIns="91440" tIns="45720" rIns="91440" bIns="45720" rtlCol="0" anchor="ctr">
-            <a:normAutofit/>
-          </a:bodyPr>
-          <a:lstStyle>
-            <a:lvl1pPr algn="l" defTabSz="914400" rtl="0" eaLnBrk="1" latinLnBrk="0" hangingPunct="1">
-              <a:lnSpc>
-                <a:spcPct val="90000"/>
-              </a:lnSpc>
-              <a:spcBef>
-                <a:spcPct val="0"/>
-              </a:spcBef>
-              <a:buNone/>
-              <a:defRPr sz="3600" b="1" i="0" kern="1200" cap="all" baseline="0">
-                <a:solidFill>
-                  <a:schemeClr val="tx2"/>
-                </a:solidFill>
-                <a:latin typeface="+mj-lt"/>
-                <a:ea typeface="Open Sans Semibold" panose="020B0606030504020204" pitchFamily="34" charset="0"/>
-                <a:cs typeface="Open Sans Semibold" panose="020B0606030504020204" pitchFamily="34" charset="0"/>
-              </a:defRPr>
-            </a:lvl1pPr>
-          </a:lstStyle>
-          <a:p>
-            <a:r>
-              <a:rPr lang="en-US" dirty="0"/>
-              <a:t>API - AXIOS</a:t>
-            </a:r>
-            <a:endParaRPr lang="hr-HR" dirty="0"/>
-          </a:p>
-        </p:txBody>
-      </p:sp>
-      <p:sp>
-        <p:nvSpPr>
-          <p:cNvPr id="2" name="TextBox 1">
-            <a:extLst>
-              <a:ext uri="{FF2B5EF4-FFF2-40B4-BE49-F238E27FC236}">
-                <a16:creationId xmlns:a16="http://schemas.microsoft.com/office/drawing/2014/main" id="{0A6F6F41-E484-4D16-8CDB-28A5B701917D}"/>
-              </a:ext>
-            </a:extLst>
-          </p:cNvPr>
-          <p:cNvSpPr txBox="1"/>
-          <p:nvPr/>
-        </p:nvSpPr>
-        <p:spPr>
-          <a:xfrm>
-            <a:off x="570614" y="1490007"/>
-            <a:ext cx="11343882" cy="2585323"/>
-          </a:xfrm>
-          <a:prstGeom prst="rect">
-            <a:avLst/>
-          </a:prstGeom>
-          <a:noFill/>
-        </p:spPr>
-        <p:txBody>
-          <a:bodyPr wrap="square">
-            <a:spAutoFit/>
-          </a:bodyPr>
-          <a:lstStyle/>
-          <a:p>
-            <a:r>
-              <a:rPr lang="en-US" dirty="0" err="1"/>
-              <a:t>Najpopularniji</a:t>
-            </a:r>
-            <a:r>
-              <a:rPr lang="en-US" dirty="0"/>
-              <a:t> library </a:t>
-            </a:r>
-            <a:r>
-              <a:rPr lang="hr-HR" dirty="0"/>
-              <a:t>za slanje zahtjeva prema API-ju.</a:t>
-            </a:r>
-            <a:br>
-              <a:rPr lang="en-US" dirty="0"/>
-            </a:br>
-            <a:r>
-              <a:rPr lang="en-US" dirty="0" err="1"/>
-              <a:t>Sve</a:t>
-            </a:r>
-            <a:r>
-              <a:rPr lang="en-US" dirty="0"/>
-              <a:t> </a:t>
-            </a:r>
-            <a:r>
-              <a:rPr lang="en-US" dirty="0" err="1"/>
-              <a:t>metode</a:t>
-            </a:r>
-            <a:r>
-              <a:rPr lang="en-US" dirty="0"/>
-              <a:t> </a:t>
-            </a:r>
-            <a:r>
-              <a:rPr lang="en-US" dirty="0" err="1"/>
-              <a:t>vraćaju</a:t>
-            </a:r>
-            <a:r>
-              <a:rPr lang="en-US" dirty="0"/>
-              <a:t> </a:t>
-            </a:r>
-            <a:r>
-              <a:rPr lang="en-US" b="1" dirty="0"/>
-              <a:t>Promise</a:t>
-            </a:r>
-            <a:r>
-              <a:rPr lang="en-US" dirty="0"/>
-              <a:t>.</a:t>
-            </a:r>
-          </a:p>
-          <a:p>
-            <a:r>
-              <a:rPr lang="en-US" dirty="0" err="1"/>
-              <a:t>Preporučuje</a:t>
-            </a:r>
-            <a:r>
-              <a:rPr lang="en-US" dirty="0"/>
-              <a:t> se </a:t>
-            </a:r>
-            <a:r>
-              <a:rPr lang="en-US" dirty="0" err="1"/>
-              <a:t>korištenje</a:t>
-            </a:r>
-            <a:r>
-              <a:rPr lang="en-US" dirty="0"/>
-              <a:t> </a:t>
-            </a:r>
-            <a:r>
-              <a:rPr lang="en-US" b="1" dirty="0"/>
-              <a:t>async/await</a:t>
-            </a:r>
-            <a:r>
-              <a:rPr lang="en-US" dirty="0"/>
-              <a:t> </a:t>
-            </a:r>
-            <a:r>
-              <a:rPr lang="en-US" dirty="0" err="1"/>
-              <a:t>zbog</a:t>
-            </a:r>
-            <a:r>
-              <a:rPr lang="en-US" dirty="0"/>
-              <a:t> </a:t>
-            </a:r>
-            <a:r>
-              <a:rPr lang="en-US" dirty="0" err="1"/>
-              <a:t>bolje</a:t>
-            </a:r>
-            <a:r>
-              <a:rPr lang="en-US" dirty="0"/>
-              <a:t> </a:t>
-            </a:r>
-            <a:r>
-              <a:rPr lang="en-US" dirty="0" err="1"/>
-              <a:t>čitljivosti</a:t>
-            </a:r>
-            <a:r>
-              <a:rPr lang="en-US" dirty="0"/>
-              <a:t> </a:t>
-            </a:r>
-            <a:r>
-              <a:rPr lang="en-US" dirty="0" err="1"/>
-              <a:t>i</a:t>
-            </a:r>
-            <a:r>
-              <a:rPr lang="en-US" dirty="0"/>
-              <a:t> </a:t>
-            </a:r>
-            <a:r>
-              <a:rPr lang="en-US" dirty="0" err="1"/>
-              <a:t>lakšeg</a:t>
-            </a:r>
-            <a:r>
-              <a:rPr lang="en-US" dirty="0"/>
-              <a:t> </a:t>
-            </a:r>
-            <a:r>
-              <a:rPr lang="en-US" dirty="0" err="1"/>
-              <a:t>upravljanja</a:t>
-            </a:r>
-            <a:r>
-              <a:rPr lang="en-US" dirty="0"/>
-              <a:t> </a:t>
-            </a:r>
-            <a:r>
-              <a:rPr lang="en-US" dirty="0" err="1"/>
-              <a:t>pogreškama</a:t>
-            </a:r>
-            <a:r>
-              <a:rPr lang="en-US" dirty="0"/>
-              <a:t>.</a:t>
-            </a:r>
-          </a:p>
-          <a:p>
-            <a:r>
-              <a:rPr lang="en-US" dirty="0"/>
-              <a:t>POST, PUT </a:t>
-            </a:r>
-            <a:r>
-              <a:rPr lang="en-US" dirty="0" err="1"/>
-              <a:t>i</a:t>
-            </a:r>
-            <a:r>
-              <a:rPr lang="en-US" dirty="0"/>
-              <a:t> PATCH </a:t>
-            </a:r>
-            <a:r>
-              <a:rPr lang="en-US" dirty="0" err="1"/>
-              <a:t>zahtijevaju</a:t>
-            </a:r>
-            <a:r>
-              <a:rPr lang="en-US" dirty="0"/>
-              <a:t> </a:t>
-            </a:r>
-            <a:r>
-              <a:rPr lang="en-US" dirty="0" err="1"/>
-              <a:t>slanje</a:t>
-            </a:r>
-            <a:r>
-              <a:rPr lang="en-US" dirty="0"/>
-              <a:t> </a:t>
-            </a:r>
-            <a:r>
-              <a:rPr lang="en-US" dirty="0" err="1"/>
-              <a:t>podataka</a:t>
-            </a:r>
-            <a:r>
-              <a:rPr lang="en-US" dirty="0"/>
-              <a:t> u body-u.</a:t>
-            </a:r>
-          </a:p>
-          <a:p>
-            <a:endParaRPr lang="en-US" dirty="0"/>
-          </a:p>
-          <a:p>
-            <a:r>
-              <a:rPr lang="en-US" dirty="0" err="1"/>
-              <a:t>Većina</a:t>
-            </a:r>
-            <a:r>
-              <a:rPr lang="en-US" dirty="0"/>
-              <a:t> API-ja </a:t>
-            </a:r>
-            <a:r>
-              <a:rPr lang="en-US" dirty="0" err="1"/>
-              <a:t>traži</a:t>
-            </a:r>
-            <a:r>
-              <a:rPr lang="en-US" dirty="0"/>
-              <a:t> </a:t>
-            </a:r>
-            <a:r>
-              <a:rPr lang="en-US" dirty="0" err="1"/>
-              <a:t>autentifikaciju</a:t>
-            </a:r>
-            <a:r>
-              <a:rPr lang="en-US" dirty="0"/>
-              <a:t> </a:t>
-            </a:r>
-            <a:r>
-              <a:rPr lang="en-US" dirty="0" err="1"/>
-              <a:t>putem</a:t>
-            </a:r>
-            <a:r>
-              <a:rPr lang="en-US" dirty="0"/>
-              <a:t> </a:t>
-            </a:r>
-            <a:r>
-              <a:rPr lang="en-US" dirty="0" err="1"/>
-              <a:t>zaglavlja</a:t>
-            </a:r>
-            <a:r>
-              <a:rPr lang="en-US" dirty="0"/>
-              <a:t> (headers), </a:t>
-            </a:r>
-            <a:r>
-              <a:rPr lang="en-US" dirty="0" err="1"/>
-              <a:t>npr</a:t>
-            </a:r>
-            <a:r>
-              <a:rPr lang="en-US" dirty="0"/>
-              <a:t>.:</a:t>
-            </a:r>
-            <a:br>
-              <a:rPr lang="en-US" dirty="0"/>
-            </a:br>
-            <a:br>
-              <a:rPr lang="en-US" dirty="0"/>
-            </a:br>
-            <a:br>
-              <a:rPr lang="en-US" dirty="0"/>
-            </a:br>
-            <a:endParaRPr lang="hr-HR" dirty="0"/>
-          </a:p>
-        </p:txBody>
-      </p:sp>
-      <p:pic>
-        <p:nvPicPr>
-          <p:cNvPr id="6" name="Picture 5">
-            <a:extLst>
-              <a:ext uri="{FF2B5EF4-FFF2-40B4-BE49-F238E27FC236}">
-                <a16:creationId xmlns:a16="http://schemas.microsoft.com/office/drawing/2014/main" id="{C32075A0-94E9-910A-1841-1E0612E558AB}"/>
-              </a:ext>
-            </a:extLst>
-          </p:cNvPr>
-          <p:cNvPicPr>
-            <a:picLocks noChangeAspect="1"/>
-          </p:cNvPicPr>
-          <p:nvPr/>
-        </p:nvPicPr>
-        <p:blipFill>
-          <a:blip r:embed="rId3"/>
-          <a:stretch>
-            <a:fillRect/>
-          </a:stretch>
-        </p:blipFill>
-        <p:spPr>
-          <a:xfrm>
-            <a:off x="3119509" y="3572389"/>
-            <a:ext cx="5514060" cy="1795604"/>
-          </a:xfrm>
-          <a:prstGeom prst="rect">
-            <a:avLst/>
-          </a:prstGeom>
-        </p:spPr>
-      </p:pic>
-    </p:spTree>
-    <p:extLst>
-      <p:ext uri="{BB962C8B-B14F-4D97-AF65-F5344CB8AC3E}">
-        <p14:creationId xmlns:p14="http://schemas.microsoft.com/office/powerpoint/2010/main" val="809624085"/>
-      </p:ext>
-    </p:extLst>
-  </p:cSld>
-  <p:clrMapOvr>
-    <a:masterClrMapping/>
-  </p:clrMapOvr>
-</p:sld>
-</file>
-
-<file path=ppt/slides/slide21.xml><?xml version="1.0" encoding="utf-8"?>
-<p:sld xmlns:a="http://schemas.openxmlformats.org/drawingml/2006/main" xmlns:r="http://schemas.openxmlformats.org/officeDocument/2006/relationships" xmlns:p="http://schemas.openxmlformats.org/presentationml/2006/main">
-  <p:cSld>
-    <p:spTree>
-      <p:nvGrpSpPr>
-        <p:cNvPr id="1" name="">
-          <a:extLst>
-            <a:ext uri="{FF2B5EF4-FFF2-40B4-BE49-F238E27FC236}">
               <a16:creationId xmlns:a16="http://schemas.microsoft.com/office/drawing/2014/main" id="{F3495B53-5ED9-F605-A4DE-0A125D4E1EFA}"/>
             </a:ext>
           </a:extLst>
@@ -16504,7 +16135,7 @@
 </p:sld>
 </file>
 
-<file path=ppt/slides/slide22.xml><?xml version="1.0" encoding="utf-8"?>
+<file path=ppt/slides/slide21.xml><?xml version="1.0" encoding="utf-8"?>
 <p:sld xmlns:a="http://schemas.openxmlformats.org/drawingml/2006/main" xmlns:r="http://schemas.openxmlformats.org/officeDocument/2006/relationships" xmlns:p="http://schemas.openxmlformats.org/presentationml/2006/main">
   <p:cSld>
     <p:spTree>
@@ -16625,7 +16256,7 @@
 </p:sld>
 </file>
 
-<file path=ppt/slides/slide23.xml><?xml version="1.0" encoding="utf-8"?>
+<file path=ppt/slides/slide22.xml><?xml version="1.0" encoding="utf-8"?>
 <p:sld xmlns:a="http://schemas.openxmlformats.org/drawingml/2006/main" xmlns:r="http://schemas.openxmlformats.org/officeDocument/2006/relationships" xmlns:p="http://schemas.openxmlformats.org/presentationml/2006/main">
   <p:cSld>
     <p:spTree>
@@ -16746,7 +16377,7 @@
 </p:sld>
 </file>
 
-<file path=ppt/slides/slide24.xml><?xml version="1.0" encoding="utf-8"?>
+<file path=ppt/slides/slide23.xml><?xml version="1.0" encoding="utf-8"?>
 <p:sld xmlns:a="http://schemas.openxmlformats.org/drawingml/2006/main" xmlns:r="http://schemas.openxmlformats.org/officeDocument/2006/relationships" xmlns:p="http://schemas.openxmlformats.org/presentationml/2006/main">
   <p:cSld>
     <p:spTree>
@@ -17667,213 +17298,6 @@
         <p:cNvPr id="1" name="">
           <a:extLst>
             <a:ext uri="{FF2B5EF4-FFF2-40B4-BE49-F238E27FC236}">
-              <a16:creationId xmlns:a16="http://schemas.microsoft.com/office/drawing/2014/main" id="{2B26C03D-2FA4-0E41-0BD1-77E8D4229C44}"/>
-            </a:ext>
-          </a:extLst>
-        </p:cNvPr>
-        <p:cNvGrpSpPr/>
-        <p:nvPr/>
-      </p:nvGrpSpPr>
-      <p:grpSpPr>
-        <a:xfrm>
-          <a:off x="0" y="0"/>
-          <a:ext cx="0" cy="0"/>
-          <a:chOff x="0" y="0"/>
-          <a:chExt cx="0" cy="0"/>
-        </a:xfrm>
-      </p:grpSpPr>
-      <p:sp>
-        <p:nvSpPr>
-          <p:cNvPr id="4" name="Title 1">
-            <a:extLst>
-              <a:ext uri="{FF2B5EF4-FFF2-40B4-BE49-F238E27FC236}">
-                <a16:creationId xmlns:a16="http://schemas.microsoft.com/office/drawing/2014/main" id="{35904300-18A8-710D-07BC-DBFBE200802D}"/>
-              </a:ext>
-            </a:extLst>
-          </p:cNvPr>
-          <p:cNvSpPr txBox="1">
-            <a:spLocks/>
-          </p:cNvSpPr>
-          <p:nvPr/>
-        </p:nvSpPr>
-        <p:spPr>
-          <a:xfrm>
-            <a:off x="990600" y="383056"/>
-            <a:ext cx="10515600" cy="853976"/>
-          </a:xfrm>
-          <a:prstGeom prst="rect">
-            <a:avLst/>
-          </a:prstGeom>
-        </p:spPr>
-        <p:txBody>
-          <a:bodyPr vert="horz" lIns="91440" tIns="45720" rIns="91440" bIns="45720" rtlCol="0" anchor="ctr">
-            <a:normAutofit/>
-          </a:bodyPr>
-          <a:lstStyle>
-            <a:lvl1pPr algn="l" defTabSz="914400" rtl="0" eaLnBrk="1" latinLnBrk="0" hangingPunct="1">
-              <a:lnSpc>
-                <a:spcPct val="90000"/>
-              </a:lnSpc>
-              <a:spcBef>
-                <a:spcPct val="0"/>
-              </a:spcBef>
-              <a:buNone/>
-              <a:defRPr sz="3600" b="1" i="0" kern="1200" cap="all" baseline="0">
-                <a:solidFill>
-                  <a:schemeClr val="tx2"/>
-                </a:solidFill>
-                <a:latin typeface="+mj-lt"/>
-                <a:ea typeface="Open Sans Semibold" panose="020B0606030504020204" pitchFamily="34" charset="0"/>
-                <a:cs typeface="Open Sans Semibold" panose="020B0606030504020204" pitchFamily="34" charset="0"/>
-              </a:defRPr>
-            </a:lvl1pPr>
-          </a:lstStyle>
-          <a:p>
-            <a:r>
-              <a:rPr lang="en-US" dirty="0"/>
-              <a:t>API - METODE</a:t>
-            </a:r>
-            <a:endParaRPr lang="hr-HR" dirty="0"/>
-          </a:p>
-        </p:txBody>
-      </p:sp>
-      <p:sp>
-        <p:nvSpPr>
-          <p:cNvPr id="7" name="TextBox 6">
-            <a:extLst>
-              <a:ext uri="{FF2B5EF4-FFF2-40B4-BE49-F238E27FC236}">
-                <a16:creationId xmlns:a16="http://schemas.microsoft.com/office/drawing/2014/main" id="{70A76E84-AB95-B511-9F72-B39ECE4DAC91}"/>
-              </a:ext>
-            </a:extLst>
-          </p:cNvPr>
-          <p:cNvSpPr txBox="1"/>
-          <p:nvPr/>
-        </p:nvSpPr>
-        <p:spPr>
-          <a:xfrm>
-            <a:off x="984913" y="1582340"/>
-            <a:ext cx="6148316" cy="3693319"/>
-          </a:xfrm>
-          <a:prstGeom prst="rect">
-            <a:avLst/>
-          </a:prstGeom>
-          <a:noFill/>
-        </p:spPr>
-        <p:txBody>
-          <a:bodyPr wrap="square">
-            <a:spAutoFit/>
-          </a:bodyPr>
-          <a:lstStyle/>
-          <a:p>
-            <a:r>
-              <a:rPr lang="hr-HR" b="1" dirty="0"/>
-              <a:t>🔍 Uvod u HTTP metode</a:t>
-            </a:r>
-          </a:p>
-          <a:p>
-            <a:r>
-              <a:rPr lang="hr-HR" dirty="0"/>
-              <a:t>HTTP metode (ili "verbe") koriste se u komunikaciji između </a:t>
-            </a:r>
-            <a:r>
-              <a:rPr lang="hr-HR" b="1" dirty="0"/>
-              <a:t>klijenta</a:t>
-            </a:r>
-            <a:r>
-              <a:rPr lang="hr-HR" dirty="0"/>
-              <a:t> (npr. preglednika) i </a:t>
-            </a:r>
-            <a:r>
-              <a:rPr lang="hr-HR" b="1" dirty="0"/>
-              <a:t>servera</a:t>
-            </a:r>
-            <a:r>
-              <a:rPr lang="hr-HR" dirty="0"/>
-              <a:t>.</a:t>
-            </a:r>
-            <a:br>
-              <a:rPr lang="hr-HR" dirty="0"/>
-            </a:br>
-            <a:r>
-              <a:rPr lang="hr-HR" dirty="0"/>
-              <a:t>One definiraju </a:t>
-            </a:r>
-            <a:r>
-              <a:rPr lang="hr-HR" b="1" dirty="0"/>
-              <a:t>što klijent želi učiniti</a:t>
-            </a:r>
-            <a:r>
-              <a:rPr lang="hr-HR" dirty="0"/>
-              <a:t> s resursima na serveru (npr. dohvatiti podatke, dodati, izmijeniti ili obrisati).</a:t>
-            </a:r>
-          </a:p>
-          <a:p>
-            <a:r>
-              <a:rPr lang="hr-HR" dirty="0"/>
-              <a:t>Najčešće korištene metode su:</a:t>
-            </a:r>
-          </a:p>
-          <a:p>
-            <a:r>
-              <a:rPr lang="hr-HR" b="1" dirty="0"/>
-              <a:t>GET</a:t>
-            </a:r>
-            <a:endParaRPr lang="hr-HR" dirty="0"/>
-          </a:p>
-          <a:p>
-            <a:r>
-              <a:rPr lang="hr-HR" b="1" dirty="0"/>
-              <a:t>POST</a:t>
-            </a:r>
-            <a:endParaRPr lang="hr-HR" dirty="0"/>
-          </a:p>
-          <a:p>
-            <a:r>
-              <a:rPr lang="hr-HR" b="1" dirty="0"/>
-              <a:t>PUT</a:t>
-            </a:r>
-            <a:endParaRPr lang="hr-HR" dirty="0"/>
-          </a:p>
-          <a:p>
-            <a:r>
-              <a:rPr lang="hr-HR" b="1" dirty="0"/>
-              <a:t>DELETE</a:t>
-            </a:r>
-            <a:endParaRPr lang="hr-HR" dirty="0"/>
-          </a:p>
-          <a:p>
-            <a:r>
-              <a:rPr lang="hr-HR" b="1" dirty="0"/>
-              <a:t>PATCH</a:t>
-            </a:r>
-            <a:r>
-              <a:rPr lang="hr-HR" dirty="0"/>
-              <a:t> (manje korištena, ali korisna za djelomične izmjene)</a:t>
-            </a:r>
-          </a:p>
-        </p:txBody>
-      </p:sp>
-    </p:spTree>
-    <p:extLst>
-      <p:ext uri="{BB962C8B-B14F-4D97-AF65-F5344CB8AC3E}">
-        <p14:creationId xmlns:p14="http://schemas.microsoft.com/office/powerpoint/2010/main" val="68021796"/>
-      </p:ext>
-    </p:extLst>
-  </p:cSld>
-  <p:clrMapOvr>
-    <a:masterClrMapping/>
-  </p:clrMapOvr>
-</p:sld>
-</file>
-
-<file path=ppt/slides/slide8.xml><?xml version="1.0" encoding="utf-8"?>
-<p:sld xmlns:a="http://schemas.openxmlformats.org/drawingml/2006/main" xmlns:r="http://schemas.openxmlformats.org/officeDocument/2006/relationships" xmlns:p="http://schemas.openxmlformats.org/presentationml/2006/main">
-  <p:cSld>
-    <p:spTree>
-      <p:nvGrpSpPr>
-        <p:cNvPr id="1" name="">
-          <a:extLst>
-            <a:ext uri="{FF2B5EF4-FFF2-40B4-BE49-F238E27FC236}">
               <a16:creationId xmlns:a16="http://schemas.microsoft.com/office/drawing/2014/main" id="{7E036FBB-36B4-A624-D17B-3646A34EFA05}"/>
             </a:ext>
           </a:extLst>
@@ -18073,7 +17497,7 @@
 </p:sld>
 </file>
 
-<file path=ppt/slides/slide9.xml><?xml version="1.0" encoding="utf-8"?>
+<file path=ppt/slides/slide8.xml><?xml version="1.0" encoding="utf-8"?>
 <p:sld xmlns:a="http://schemas.openxmlformats.org/drawingml/2006/main" xmlns:r="http://schemas.openxmlformats.org/officeDocument/2006/relationships" xmlns:p="http://schemas.openxmlformats.org/presentationml/2006/main">
   <p:cSld>
     <p:spTree>
@@ -18340,6 +17764,265 @@
     <p:extLst>
       <p:ext uri="{BB962C8B-B14F-4D97-AF65-F5344CB8AC3E}">
         <p14:creationId xmlns:p14="http://schemas.microsoft.com/office/powerpoint/2010/main" val="3856957586"/>
+      </p:ext>
+    </p:extLst>
+  </p:cSld>
+  <p:clrMapOvr>
+    <a:masterClrMapping/>
+  </p:clrMapOvr>
+</p:sld>
+</file>
+
+<file path=ppt/slides/slide9.xml><?xml version="1.0" encoding="utf-8"?>
+<p:sld xmlns:a="http://schemas.openxmlformats.org/drawingml/2006/main" xmlns:r="http://schemas.openxmlformats.org/officeDocument/2006/relationships" xmlns:p="http://schemas.openxmlformats.org/presentationml/2006/main">
+  <p:cSld>
+    <p:spTree>
+      <p:nvGrpSpPr>
+        <p:cNvPr id="1" name="">
+          <a:extLst>
+            <a:ext uri="{FF2B5EF4-FFF2-40B4-BE49-F238E27FC236}">
+              <a16:creationId xmlns:a16="http://schemas.microsoft.com/office/drawing/2014/main" id="{6425F4DB-98BD-64BB-9EC5-791FFD28A659}"/>
+            </a:ext>
+          </a:extLst>
+        </p:cNvPr>
+        <p:cNvGrpSpPr/>
+        <p:nvPr/>
+      </p:nvGrpSpPr>
+      <p:grpSpPr>
+        <a:xfrm>
+          <a:off x="0" y="0"/>
+          <a:ext cx="0" cy="0"/>
+          <a:chOff x="0" y="0"/>
+          <a:chExt cx="0" cy="0"/>
+        </a:xfrm>
+      </p:grpSpPr>
+      <p:sp>
+        <p:nvSpPr>
+          <p:cNvPr id="4" name="Title 1">
+            <a:extLst>
+              <a:ext uri="{FF2B5EF4-FFF2-40B4-BE49-F238E27FC236}">
+                <a16:creationId xmlns:a16="http://schemas.microsoft.com/office/drawing/2014/main" id="{B6B89A94-F45C-A7F4-2B3B-52CB41E5E4B7}"/>
+              </a:ext>
+            </a:extLst>
+          </p:cNvPr>
+          <p:cNvSpPr txBox="1">
+            <a:spLocks/>
+          </p:cNvSpPr>
+          <p:nvPr/>
+        </p:nvSpPr>
+        <p:spPr>
+          <a:xfrm>
+            <a:off x="990600" y="383056"/>
+            <a:ext cx="10515600" cy="853976"/>
+          </a:xfrm>
+          <a:prstGeom prst="rect">
+            <a:avLst/>
+          </a:prstGeom>
+        </p:spPr>
+        <p:txBody>
+          <a:bodyPr vert="horz" lIns="91440" tIns="45720" rIns="91440" bIns="45720" rtlCol="0" anchor="ctr">
+            <a:normAutofit/>
+          </a:bodyPr>
+          <a:lstStyle>
+            <a:lvl1pPr algn="l" defTabSz="914400" rtl="0" eaLnBrk="1" latinLnBrk="0" hangingPunct="1">
+              <a:lnSpc>
+                <a:spcPct val="90000"/>
+              </a:lnSpc>
+              <a:spcBef>
+                <a:spcPct val="0"/>
+              </a:spcBef>
+              <a:buNone/>
+              <a:defRPr sz="3600" b="1" i="0" kern="1200" cap="all" baseline="0">
+                <a:solidFill>
+                  <a:schemeClr val="tx2"/>
+                </a:solidFill>
+                <a:latin typeface="+mj-lt"/>
+                <a:ea typeface="Open Sans Semibold" panose="020B0606030504020204" pitchFamily="34" charset="0"/>
+                <a:cs typeface="Open Sans Semibold" panose="020B0606030504020204" pitchFamily="34" charset="0"/>
+              </a:defRPr>
+            </a:lvl1pPr>
+          </a:lstStyle>
+          <a:p>
+            <a:r>
+              <a:rPr lang="en-US" dirty="0"/>
+              <a:t>API - METODE</a:t>
+            </a:r>
+            <a:endParaRPr lang="hr-HR" dirty="0"/>
+          </a:p>
+        </p:txBody>
+      </p:sp>
+      <p:sp>
+        <p:nvSpPr>
+          <p:cNvPr id="7" name="TextBox 6">
+            <a:extLst>
+              <a:ext uri="{FF2B5EF4-FFF2-40B4-BE49-F238E27FC236}">
+                <a16:creationId xmlns:a16="http://schemas.microsoft.com/office/drawing/2014/main" id="{BDE20227-44AA-69C8-3D84-8918D8635E66}"/>
+              </a:ext>
+            </a:extLst>
+          </p:cNvPr>
+          <p:cNvSpPr txBox="1"/>
+          <p:nvPr/>
+        </p:nvSpPr>
+        <p:spPr>
+          <a:xfrm>
+            <a:off x="990600" y="1237032"/>
+            <a:ext cx="11598323" cy="1754326"/>
+          </a:xfrm>
+          <a:prstGeom prst="rect">
+            <a:avLst/>
+          </a:prstGeom>
+          <a:noFill/>
+        </p:spPr>
+        <p:txBody>
+          <a:bodyPr wrap="square">
+            <a:spAutoFit/>
+          </a:bodyPr>
+          <a:lstStyle/>
+          <a:p>
+            <a:r>
+              <a:rPr lang="hr-HR" b="1" dirty="0"/>
+              <a:t>✅ PUT</a:t>
+            </a:r>
+          </a:p>
+          <a:p>
+            <a:r>
+              <a:rPr lang="hr-HR" b="1" dirty="0"/>
+              <a:t>Svrha:</a:t>
+            </a:r>
+            <a:r>
+              <a:rPr lang="hr-HR" dirty="0"/>
+              <a:t> Zamjena cijelog resursa.</a:t>
+            </a:r>
+          </a:p>
+          <a:p>
+            <a:r>
+              <a:rPr lang="hr-HR" b="1" dirty="0"/>
+              <a:t>Primjer:</a:t>
+            </a:r>
+            <a:r>
+              <a:rPr lang="hr-HR" dirty="0"/>
+              <a:t> Ažuriranje cijelog korisničkog profila.</a:t>
+            </a:r>
+          </a:p>
+          <a:p>
+            <a:r>
+              <a:rPr lang="hr-HR" b="1" dirty="0"/>
+              <a:t>Značajke:</a:t>
+            </a:r>
+            <a:endParaRPr lang="hr-HR" dirty="0"/>
+          </a:p>
+          <a:p>
+            <a:pPr lvl="1"/>
+            <a:r>
+              <a:rPr lang="hr-HR" dirty="0"/>
+              <a:t>Moraš poslati </a:t>
+            </a:r>
+            <a:r>
+              <a:rPr lang="hr-HR" b="1" dirty="0"/>
+              <a:t>cijeli objekt</a:t>
+            </a:r>
+            <a:r>
+              <a:rPr lang="hr-HR" dirty="0"/>
+              <a:t>, čak i ako mijenjaš samo jedno polje.</a:t>
+            </a:r>
+          </a:p>
+          <a:p>
+            <a:pPr lvl="1"/>
+            <a:r>
+              <a:rPr lang="hr-HR" dirty="0"/>
+              <a:t>Ako resurs ne postoji, može ga </a:t>
+            </a:r>
+            <a:r>
+              <a:rPr lang="hr-HR" b="1" dirty="0"/>
+              <a:t>kreirati</a:t>
+            </a:r>
+            <a:r>
+              <a:rPr lang="hr-HR" dirty="0"/>
+              <a:t> (ovisno o API implementaciji).</a:t>
+            </a:r>
+          </a:p>
+        </p:txBody>
+      </p:sp>
+      <p:sp>
+        <p:nvSpPr>
+          <p:cNvPr id="2" name="TextBox 1">
+            <a:extLst>
+              <a:ext uri="{FF2B5EF4-FFF2-40B4-BE49-F238E27FC236}">
+                <a16:creationId xmlns:a16="http://schemas.microsoft.com/office/drawing/2014/main" id="{268AD779-7503-3749-31E1-1FE0411866AE}"/>
+              </a:ext>
+            </a:extLst>
+          </p:cNvPr>
+          <p:cNvSpPr txBox="1"/>
+          <p:nvPr/>
+        </p:nvSpPr>
+        <p:spPr>
+          <a:xfrm>
+            <a:off x="967853" y="3613665"/>
+            <a:ext cx="9595514" cy="1754326"/>
+          </a:xfrm>
+          <a:prstGeom prst="rect">
+            <a:avLst/>
+          </a:prstGeom>
+          <a:noFill/>
+        </p:spPr>
+        <p:txBody>
+          <a:bodyPr wrap="square">
+            <a:spAutoFit/>
+          </a:bodyPr>
+          <a:lstStyle/>
+          <a:p>
+            <a:r>
+              <a:rPr lang="hr-HR" b="1" dirty="0"/>
+              <a:t>✅ DELETE</a:t>
+            </a:r>
+          </a:p>
+          <a:p>
+            <a:r>
+              <a:rPr lang="hr-HR" b="1" dirty="0"/>
+              <a:t>Svrha:</a:t>
+            </a:r>
+            <a:r>
+              <a:rPr lang="hr-HR" dirty="0"/>
+              <a:t> Brisanje resursa s poslužitelja.</a:t>
+            </a:r>
+          </a:p>
+          <a:p>
+            <a:r>
+              <a:rPr lang="hr-HR" b="1" dirty="0"/>
+              <a:t>Primjer:</a:t>
+            </a:r>
+            <a:r>
+              <a:rPr lang="hr-HR" dirty="0"/>
+              <a:t> Brisanje korisničkog računa.</a:t>
+            </a:r>
+          </a:p>
+          <a:p>
+            <a:r>
+              <a:rPr lang="hr-HR" b="1" dirty="0"/>
+              <a:t>Značajke:</a:t>
+            </a:r>
+            <a:endParaRPr lang="hr-HR" dirty="0"/>
+          </a:p>
+          <a:p>
+            <a:pPr lvl="1"/>
+            <a:r>
+              <a:rPr lang="hr-HR" dirty="0"/>
+              <a:t>Nema tijelo zahtjeva, samo URL (npr. s ID-em resursa).</a:t>
+            </a:r>
+          </a:p>
+          <a:p>
+            <a:pPr lvl="1"/>
+            <a:r>
+              <a:rPr lang="hr-HR" dirty="0"/>
+              <a:t>Moraš paziti da se ne pokrene greškom – obrisano = gotovo.</a:t>
+            </a:r>
+          </a:p>
+        </p:txBody>
+      </p:sp>
+    </p:spTree>
+    <p:extLst>
+      <p:ext uri="{BB962C8B-B14F-4D97-AF65-F5344CB8AC3E}">
+        <p14:creationId xmlns:p14="http://schemas.microsoft.com/office/powerpoint/2010/main" val="2037132727"/>
       </p:ext>
     </p:extLst>
   </p:cSld>
@@ -19063,15 +18746,6 @@
 </file>
 
 <file path=customXml/item2.xml><?xml version="1.0" encoding="utf-8"?>
-<?mso-contentType ?>
-<FormTemplates xmlns="http://schemas.microsoft.com/sharepoint/v3/contenttype/forms">
-  <Display>DocumentLibraryForm</Display>
-  <Edit>DocumentLibraryForm</Edit>
-  <New>DocumentLibraryForm</New>
-</FormTemplates>
-</file>
-
-<file path=customXml/item3.xml><?xml version="1.0" encoding="utf-8"?>
 <p:properties xmlns:p="http://schemas.microsoft.com/office/2006/metadata/properties" xmlns:xsi="http://www.w3.org/2001/XMLSchema-instance" xmlns:pc="http://schemas.microsoft.com/office/infopath/2007/PartnerControls">
   <documentManagement>
     <lcf76f155ced4ddcb4097134ff3c332f xmlns="40806f44-bc4a-4ea4-b660-c6da93f8f179">
@@ -19080,6 +18754,15 @@
     <TaxCatchAll xmlns="758d0d8f-b783-4c78-ab73-9740c97b97cf" xsi:nil="true"/>
   </documentManagement>
 </p:properties>
+</file>
+
+<file path=customXml/item3.xml><?xml version="1.0" encoding="utf-8"?>
+<?mso-contentType ?>
+<FormTemplates xmlns="http://schemas.microsoft.com/sharepoint/v3/contenttype/forms">
+  <Display>DocumentLibraryForm</Display>
+  <Edit>DocumentLibraryForm</Edit>
+  <New>DocumentLibraryForm</New>
+</FormTemplates>
 </file>
 
 <file path=customXml/itemProps1.xml><?xml version="1.0" encoding="utf-8"?>
@@ -19102,14 +18785,6 @@
 </file>
 
 <file path=customXml/itemProps2.xml><?xml version="1.0" encoding="utf-8"?>
-<ds:datastoreItem xmlns:ds="http://schemas.openxmlformats.org/officeDocument/2006/customXml" ds:itemID="{46915D30-CAA6-465E-907F-1770D4E3B01D}">
-  <ds:schemaRefs>
-    <ds:schemaRef ds:uri="http://schemas.microsoft.com/sharepoint/v3/contenttype/forms"/>
-  </ds:schemaRefs>
-</ds:datastoreItem>
-</file>
-
-<file path=customXml/itemProps3.xml><?xml version="1.0" encoding="utf-8"?>
 <ds:datastoreItem xmlns:ds="http://schemas.openxmlformats.org/officeDocument/2006/customXml" ds:itemID="{61E72F81-8533-461E-8E71-A6D77294CFEF}">
   <ds:schemaRefs>
     <ds:schemaRef ds:uri="http://purl.org/dc/elements/1.1/"/>
@@ -19124,4 +18799,12 @@
     <ds:schemaRef ds:uri="http://schemas.microsoft.com/office/2006/metadata/properties"/>
   </ds:schemaRefs>
 </ds:datastoreItem>
+</file>
+
+<file path=customXml/itemProps3.xml><?xml version="1.0" encoding="utf-8"?>
+<ds:datastoreItem xmlns:ds="http://schemas.openxmlformats.org/officeDocument/2006/customXml" ds:itemID="{46915D30-CAA6-465E-907F-1770D4E3B01D}">
+  <ds:schemaRefs>
+    <ds:schemaRef ds:uri="http://schemas.microsoft.com/sharepoint/v3/contenttype/forms"/>
+  </ds:schemaRefs>
+</ds:datastoreItem>
 </file>